--- a/기획/Trashes_메인기획서.pptx
+++ b/기획/Trashes_메인기획서.pptx
@@ -5,21 +5,22 @@
     <p:sldMasterId id="2147483648" r:id="rId1"/>
   </p:sldMasterIdLst>
   <p:notesMasterIdLst>
-    <p:notesMasterId r:id="rId14"/>
+    <p:notesMasterId r:id="rId15"/>
   </p:notesMasterIdLst>
   <p:sldIdLst>
     <p:sldId id="256" r:id="rId2"/>
     <p:sldId id="258" r:id="rId3"/>
     <p:sldId id="257" r:id="rId4"/>
     <p:sldId id="259" r:id="rId5"/>
-    <p:sldId id="260" r:id="rId6"/>
-    <p:sldId id="264" r:id="rId7"/>
-    <p:sldId id="262" r:id="rId8"/>
-    <p:sldId id="273" r:id="rId9"/>
-    <p:sldId id="275" r:id="rId10"/>
-    <p:sldId id="278" r:id="rId11"/>
-    <p:sldId id="271" r:id="rId12"/>
-    <p:sldId id="277" r:id="rId13"/>
+    <p:sldId id="279" r:id="rId6"/>
+    <p:sldId id="260" r:id="rId7"/>
+    <p:sldId id="264" r:id="rId8"/>
+    <p:sldId id="262" r:id="rId9"/>
+    <p:sldId id="273" r:id="rId10"/>
+    <p:sldId id="275" r:id="rId11"/>
+    <p:sldId id="278" r:id="rId12"/>
+    <p:sldId id="271" r:id="rId13"/>
+    <p:sldId id="277" r:id="rId14"/>
   </p:sldIdLst>
   <p:sldSz cx="12192000" cy="6858000"/>
   <p:notesSz cx="6858000" cy="9144000"/>
@@ -137,60 +138,6 @@
 <file path=ppt/changesInfos/changesInfo1.xml><?xml version="1.0" encoding="utf-8"?>
 <pc:chgInfo xmlns:a="http://schemas.openxmlformats.org/drawingml/2006/main" xmlns:r="http://schemas.openxmlformats.org/officeDocument/2006/relationships" xmlns:ac="http://schemas.microsoft.com/office/drawing/2013/main/command" xmlns:pc="http://schemas.microsoft.com/office/powerpoint/2013/main/command">
   <pc:docChgLst>
-    <pc:chgData name="이정우" userId="2ac1e165-3110-4cf0-934d-6b6ac463e0e2" providerId="ADAL" clId="{1EC64286-DE49-4D01-9BD0-5FD72F444F8B}"/>
-    <pc:docChg chg="addSld modSld">
-      <pc:chgData name="이정우" userId="2ac1e165-3110-4cf0-934d-6b6ac463e0e2" providerId="ADAL" clId="{1EC64286-DE49-4D01-9BD0-5FD72F444F8B}" dt="2023-04-08T05:37:23.074" v="31"/>
-      <pc:docMkLst>
-        <pc:docMk/>
-      </pc:docMkLst>
-      <pc:sldChg chg="modSp new mod">
-        <pc:chgData name="이정우" userId="2ac1e165-3110-4cf0-934d-6b6ac463e0e2" providerId="ADAL" clId="{1EC64286-DE49-4D01-9BD0-5FD72F444F8B}" dt="2023-04-08T05:35:25.971" v="13" actId="20577"/>
-        <pc:sldMkLst>
-          <pc:docMk/>
-          <pc:sldMk cId="3911162207" sldId="256"/>
-        </pc:sldMkLst>
-        <pc:spChg chg="mod">
-          <ac:chgData name="이정우" userId="2ac1e165-3110-4cf0-934d-6b6ac463e0e2" providerId="ADAL" clId="{1EC64286-DE49-4D01-9BD0-5FD72F444F8B}" dt="2023-04-08T05:35:25.971" v="13" actId="20577"/>
-          <ac:spMkLst>
-            <pc:docMk/>
-            <pc:sldMk cId="3911162207" sldId="256"/>
-            <ac:spMk id="2" creationId="{D7C8B2D5-7ED7-DB76-35B4-34E6E081169A}"/>
-          </ac:spMkLst>
-        </pc:spChg>
-      </pc:sldChg>
-      <pc:sldChg chg="modSp new mod">
-        <pc:chgData name="이정우" userId="2ac1e165-3110-4cf0-934d-6b6ac463e0e2" providerId="ADAL" clId="{1EC64286-DE49-4D01-9BD0-5FD72F444F8B}" dt="2023-04-08T05:37:11.601" v="22"/>
-        <pc:sldMkLst>
-          <pc:docMk/>
-          <pc:sldMk cId="4206603957" sldId="257"/>
-        </pc:sldMkLst>
-        <pc:spChg chg="mod">
-          <ac:chgData name="이정우" userId="2ac1e165-3110-4cf0-934d-6b6ac463e0e2" providerId="ADAL" clId="{1EC64286-DE49-4D01-9BD0-5FD72F444F8B}" dt="2023-04-08T05:37:11.601" v="22"/>
-          <ac:spMkLst>
-            <pc:docMk/>
-            <pc:sldMk cId="4206603957" sldId="257"/>
-            <ac:spMk id="2" creationId="{6DE52E4F-110E-31C0-534B-A9E0392A08AE}"/>
-          </ac:spMkLst>
-        </pc:spChg>
-      </pc:sldChg>
-      <pc:sldChg chg="modSp new mod">
-        <pc:chgData name="이정우" userId="2ac1e165-3110-4cf0-934d-6b6ac463e0e2" providerId="ADAL" clId="{1EC64286-DE49-4D01-9BD0-5FD72F444F8B}" dt="2023-04-08T05:37:23.074" v="31"/>
-        <pc:sldMkLst>
-          <pc:docMk/>
-          <pc:sldMk cId="2525417155" sldId="258"/>
-        </pc:sldMkLst>
-        <pc:spChg chg="mod">
-          <ac:chgData name="이정우" userId="2ac1e165-3110-4cf0-934d-6b6ac463e0e2" providerId="ADAL" clId="{1EC64286-DE49-4D01-9BD0-5FD72F444F8B}" dt="2023-04-08T05:37:23.074" v="31"/>
-          <ac:spMkLst>
-            <pc:docMk/>
-            <pc:sldMk cId="2525417155" sldId="258"/>
-            <ac:spMk id="2" creationId="{C5B544D1-3445-6F36-F680-8A800CC09F8F}"/>
-          </ac:spMkLst>
-        </pc:spChg>
-      </pc:sldChg>
-    </pc:docChg>
-  </pc:docChgLst>
-  <pc:docChgLst>
     <pc:chgData name="이정우" userId="2ac1e165-3110-4cf0-934d-6b6ac463e0e2" providerId="ADAL" clId="{F23A4566-3BF1-45CC-A488-8627ED4FEDCF}"/>
     <pc:docChg chg="undo custSel addSld delSld modSld sldOrd addMainMaster delMainMaster modMainMaster">
       <pc:chgData name="이정우" userId="2ac1e165-3110-4cf0-934d-6b6ac463e0e2" providerId="ADAL" clId="{F23A4566-3BF1-45CC-A488-8627ED4FEDCF}" dt="2023-04-23T10:02:30.135" v="5847" actId="113"/>
@@ -2041,6 +1988,60 @@
           </pc:sldLayoutMkLst>
         </pc:sldLayoutChg>
       </pc:sldMasterChg>
+    </pc:docChg>
+  </pc:docChgLst>
+  <pc:docChgLst>
+    <pc:chgData name="이정우" userId="2ac1e165-3110-4cf0-934d-6b6ac463e0e2" providerId="ADAL" clId="{1EC64286-DE49-4D01-9BD0-5FD72F444F8B}"/>
+    <pc:docChg chg="addSld modSld">
+      <pc:chgData name="이정우" userId="2ac1e165-3110-4cf0-934d-6b6ac463e0e2" providerId="ADAL" clId="{1EC64286-DE49-4D01-9BD0-5FD72F444F8B}" dt="2023-04-08T05:37:23.074" v="31"/>
+      <pc:docMkLst>
+        <pc:docMk/>
+      </pc:docMkLst>
+      <pc:sldChg chg="modSp new mod">
+        <pc:chgData name="이정우" userId="2ac1e165-3110-4cf0-934d-6b6ac463e0e2" providerId="ADAL" clId="{1EC64286-DE49-4D01-9BD0-5FD72F444F8B}" dt="2023-04-08T05:35:25.971" v="13" actId="20577"/>
+        <pc:sldMkLst>
+          <pc:docMk/>
+          <pc:sldMk cId="3911162207" sldId="256"/>
+        </pc:sldMkLst>
+        <pc:spChg chg="mod">
+          <ac:chgData name="이정우" userId="2ac1e165-3110-4cf0-934d-6b6ac463e0e2" providerId="ADAL" clId="{1EC64286-DE49-4D01-9BD0-5FD72F444F8B}" dt="2023-04-08T05:35:25.971" v="13" actId="20577"/>
+          <ac:spMkLst>
+            <pc:docMk/>
+            <pc:sldMk cId="3911162207" sldId="256"/>
+            <ac:spMk id="2" creationId="{D7C8B2D5-7ED7-DB76-35B4-34E6E081169A}"/>
+          </ac:spMkLst>
+        </pc:spChg>
+      </pc:sldChg>
+      <pc:sldChg chg="modSp new mod">
+        <pc:chgData name="이정우" userId="2ac1e165-3110-4cf0-934d-6b6ac463e0e2" providerId="ADAL" clId="{1EC64286-DE49-4D01-9BD0-5FD72F444F8B}" dt="2023-04-08T05:37:11.601" v="22"/>
+        <pc:sldMkLst>
+          <pc:docMk/>
+          <pc:sldMk cId="4206603957" sldId="257"/>
+        </pc:sldMkLst>
+        <pc:spChg chg="mod">
+          <ac:chgData name="이정우" userId="2ac1e165-3110-4cf0-934d-6b6ac463e0e2" providerId="ADAL" clId="{1EC64286-DE49-4D01-9BD0-5FD72F444F8B}" dt="2023-04-08T05:37:11.601" v="22"/>
+          <ac:spMkLst>
+            <pc:docMk/>
+            <pc:sldMk cId="4206603957" sldId="257"/>
+            <ac:spMk id="2" creationId="{6DE52E4F-110E-31C0-534B-A9E0392A08AE}"/>
+          </ac:spMkLst>
+        </pc:spChg>
+      </pc:sldChg>
+      <pc:sldChg chg="modSp new mod">
+        <pc:chgData name="이정우" userId="2ac1e165-3110-4cf0-934d-6b6ac463e0e2" providerId="ADAL" clId="{1EC64286-DE49-4D01-9BD0-5FD72F444F8B}" dt="2023-04-08T05:37:23.074" v="31"/>
+        <pc:sldMkLst>
+          <pc:docMk/>
+          <pc:sldMk cId="2525417155" sldId="258"/>
+        </pc:sldMkLst>
+        <pc:spChg chg="mod">
+          <ac:chgData name="이정우" userId="2ac1e165-3110-4cf0-934d-6b6ac463e0e2" providerId="ADAL" clId="{1EC64286-DE49-4D01-9BD0-5FD72F444F8B}" dt="2023-04-08T05:37:23.074" v="31"/>
+          <ac:spMkLst>
+            <pc:docMk/>
+            <pc:sldMk cId="2525417155" sldId="258"/>
+            <ac:spMk id="2" creationId="{C5B544D1-3445-6F36-F680-8A800CC09F8F}"/>
+          </ac:spMkLst>
+        </pc:spChg>
+      </pc:sldChg>
     </pc:docChg>
   </pc:docChgLst>
 </pc:chgInfo>
@@ -2128,7 +2129,7 @@
           <a:p>
             <a:fld id="{F76D9835-BA3B-4420-A893-4C31B35BFF4D}" type="datetimeFigureOut">
               <a:rPr lang="ko-KR" altLang="en-US" smtClean="0"/>
-              <a:t>2023-04-23</a:t>
+              <a:t>2023-04-29</a:t>
             </a:fld>
             <a:endParaRPr lang="ko-KR" altLang="en-US"/>
           </a:p>
@@ -2567,119 +2568,15 @@
               <a:defRPr/>
             </a:pPr>
             <a:r>
+              <a:rPr lang="ko-KR" altLang="en-US" dirty="0">
+                <a:hlinkClick r:id="rId3"/>
+              </a:rPr>
+              <a:t>https://www.flaticon.com/kr/free-icon/criminal_1750614?related_id=1750614&amp;origin=search</a:t>
+            </a:r>
+            <a:r>
               <a:rPr lang="ko-KR" altLang="en-US" dirty="0"/>
-              <a:t>저희는 팀 빌딩 당시 기획</a:t>
-            </a:r>
-            <a:r>
-              <a:rPr lang="en-US" altLang="ko-KR" dirty="0"/>
-              <a:t>, </a:t>
-            </a:r>
-            <a:r>
-              <a:rPr lang="ko-KR" altLang="en-US" dirty="0"/>
-              <a:t>레벨</a:t>
-            </a:r>
-            <a:r>
-              <a:rPr lang="en-US" altLang="ko-KR" dirty="0"/>
-              <a:t>, </a:t>
-            </a:r>
-            <a:r>
-              <a:rPr lang="ko-KR" altLang="en-US" dirty="0"/>
-              <a:t>서버 담당으로 파트를 나눠서 개발을 진행했습니다</a:t>
-            </a:r>
-            <a:r>
-              <a:rPr lang="en-US" altLang="ko-KR" dirty="0"/>
-              <a:t>. </a:t>
-            </a:r>
-          </a:p>
-          <a:p>
-            <a:pPr marL="0" marR="0" lvl="0" indent="0" algn="l" defTabSz="914400" rtl="0" eaLnBrk="1" fontAlgn="auto" latinLnBrk="1" hangingPunct="1">
-              <a:lnSpc>
-                <a:spcPct val="100000"/>
-              </a:lnSpc>
-              <a:spcBef>
-                <a:spcPts val="0"/>
-              </a:spcBef>
-              <a:spcAft>
-                <a:spcPts val="0"/>
-              </a:spcAft>
-              <a:buClrTx/>
-              <a:buSzTx/>
-              <a:buFontTx/>
-              <a:buNone/>
-              <a:tabLst/>
-              <a:defRPr/>
-            </a:pPr>
-            <a:r>
-              <a:rPr lang="ko-KR" altLang="en-US" dirty="0"/>
-              <a:t>팀 회의는 개발 초기 당시 </a:t>
-            </a:r>
-            <a:r>
-              <a:rPr lang="en-US" altLang="ko-KR" dirty="0"/>
-              <a:t>1</a:t>
-            </a:r>
-            <a:r>
-              <a:rPr lang="ko-KR" altLang="en-US" dirty="0"/>
-              <a:t>월엔 주당 </a:t>
-            </a:r>
-            <a:r>
-              <a:rPr lang="en-US" altLang="ko-KR" dirty="0"/>
-              <a:t>2</a:t>
-            </a:r>
-            <a:r>
-              <a:rPr lang="ko-KR" altLang="en-US" dirty="0"/>
-              <a:t>회 진행했으며</a:t>
-            </a:r>
-            <a:r>
-              <a:rPr lang="en-US" altLang="ko-KR" dirty="0"/>
-              <a:t>, 2</a:t>
-            </a:r>
-            <a:r>
-              <a:rPr lang="ko-KR" altLang="en-US" dirty="0"/>
-              <a:t>월부터 주당 </a:t>
-            </a:r>
-            <a:r>
-              <a:rPr lang="en-US" altLang="ko-KR" dirty="0"/>
-              <a:t>1</a:t>
-            </a:r>
-            <a:r>
-              <a:rPr lang="ko-KR" altLang="en-US" dirty="0"/>
-              <a:t>회 회의를 진행하였습니다</a:t>
-            </a:r>
-            <a:r>
-              <a:rPr lang="en-US" altLang="ko-KR" dirty="0"/>
-              <a:t>. </a:t>
-            </a:r>
-          </a:p>
-          <a:p>
-            <a:pPr marL="0" marR="0" lvl="0" indent="0" algn="l" defTabSz="914400" rtl="0" eaLnBrk="1" fontAlgn="auto" latinLnBrk="1" hangingPunct="1">
-              <a:lnSpc>
-                <a:spcPct val="100000"/>
-              </a:lnSpc>
-              <a:spcBef>
-                <a:spcPts val="0"/>
-              </a:spcBef>
-              <a:spcAft>
-                <a:spcPts val="0"/>
-              </a:spcAft>
-              <a:buClrTx/>
-              <a:buSzTx/>
-              <a:buFontTx/>
-              <a:buNone/>
-              <a:tabLst/>
-              <a:defRPr/>
-            </a:pPr>
-            <a:r>
-              <a:rPr lang="ko-KR" altLang="en-US" dirty="0"/>
-              <a:t>회의 내용으론 각 파트 별 진행 과정과 다음 회의까지의 개발 항목을 정했습니다</a:t>
-            </a:r>
-            <a:r>
-              <a:rPr lang="en-US" altLang="ko-KR" dirty="0"/>
-              <a:t>.</a:t>
-            </a:r>
-            <a:endParaRPr lang="ko-KR" altLang="en-US" dirty="0"/>
-          </a:p>
-          <a:p>
-            <a:endParaRPr lang="ko-KR" altLang="en-US" dirty="0"/>
+              <a:t> </a:t>
+            </a:r>
           </a:p>
         </p:txBody>
       </p:sp>
@@ -2700,7 +2597,7 @@
           <a:p>
             <a:fld id="{502B3F1D-C460-488B-AC90-23D6B6DBB4CA}" type="slidenum">
               <a:rPr lang="ko-KR" altLang="en-US" smtClean="0"/>
-              <a:t>8</a:t>
+              <a:t>5</a:t>
             </a:fld>
             <a:endParaRPr lang="ko-KR" altLang="en-US"/>
           </a:p>
@@ -2709,7 +2606,7 @@
     </p:spTree>
     <p:extLst>
       <p:ext uri="{BB962C8B-B14F-4D97-AF65-F5344CB8AC3E}">
-        <p14:creationId xmlns:p14="http://schemas.microsoft.com/office/powerpoint/2010/main" val="3251174455"/>
+        <p14:creationId xmlns:p14="http://schemas.microsoft.com/office/powerpoint/2010/main" val="1595477178"/>
       </p:ext>
     </p:extLst>
   </p:cSld>
@@ -2763,6 +2660,136 @@
           <a:bodyPr/>
           <a:lstStyle/>
           <a:p>
+            <a:pPr marL="0" marR="0" lvl="0" indent="0" algn="l" defTabSz="914400" rtl="0" eaLnBrk="1" fontAlgn="auto" latinLnBrk="1" hangingPunct="1">
+              <a:lnSpc>
+                <a:spcPct val="100000"/>
+              </a:lnSpc>
+              <a:spcBef>
+                <a:spcPts val="0"/>
+              </a:spcBef>
+              <a:spcAft>
+                <a:spcPts val="0"/>
+              </a:spcAft>
+              <a:buClrTx/>
+              <a:buSzTx/>
+              <a:buFontTx/>
+              <a:buNone/>
+              <a:tabLst/>
+              <a:defRPr/>
+            </a:pPr>
+            <a:r>
+              <a:rPr lang="ko-KR" altLang="en-US" dirty="0"/>
+              <a:t>저희는 팀 빌딩 당시 기획</a:t>
+            </a:r>
+            <a:r>
+              <a:rPr lang="en-US" altLang="ko-KR" dirty="0"/>
+              <a:t>, </a:t>
+            </a:r>
+            <a:r>
+              <a:rPr lang="ko-KR" altLang="en-US" dirty="0"/>
+              <a:t>레벨</a:t>
+            </a:r>
+            <a:r>
+              <a:rPr lang="en-US" altLang="ko-KR" dirty="0"/>
+              <a:t>, </a:t>
+            </a:r>
+            <a:r>
+              <a:rPr lang="ko-KR" altLang="en-US" dirty="0"/>
+              <a:t>서버 담당으로 파트를 나눠서 개발을 진행했습니다</a:t>
+            </a:r>
+            <a:r>
+              <a:rPr lang="en-US" altLang="ko-KR" dirty="0"/>
+              <a:t>. </a:t>
+            </a:r>
+          </a:p>
+          <a:p>
+            <a:pPr marL="0" marR="0" lvl="0" indent="0" algn="l" defTabSz="914400" rtl="0" eaLnBrk="1" fontAlgn="auto" latinLnBrk="1" hangingPunct="1">
+              <a:lnSpc>
+                <a:spcPct val="100000"/>
+              </a:lnSpc>
+              <a:spcBef>
+                <a:spcPts val="0"/>
+              </a:spcBef>
+              <a:spcAft>
+                <a:spcPts val="0"/>
+              </a:spcAft>
+              <a:buClrTx/>
+              <a:buSzTx/>
+              <a:buFontTx/>
+              <a:buNone/>
+              <a:tabLst/>
+              <a:defRPr/>
+            </a:pPr>
+            <a:r>
+              <a:rPr lang="ko-KR" altLang="en-US" dirty="0"/>
+              <a:t>팀 회의는 개발 초기 당시 </a:t>
+            </a:r>
+            <a:r>
+              <a:rPr lang="en-US" altLang="ko-KR" dirty="0"/>
+              <a:t>1</a:t>
+            </a:r>
+            <a:r>
+              <a:rPr lang="ko-KR" altLang="en-US" dirty="0"/>
+              <a:t>월엔 주당 </a:t>
+            </a:r>
+            <a:r>
+              <a:rPr lang="en-US" altLang="ko-KR" dirty="0"/>
+              <a:t>2</a:t>
+            </a:r>
+            <a:r>
+              <a:rPr lang="ko-KR" altLang="en-US" dirty="0"/>
+              <a:t>회 진행했으며</a:t>
+            </a:r>
+            <a:r>
+              <a:rPr lang="en-US" altLang="ko-KR" dirty="0"/>
+              <a:t>, 2</a:t>
+            </a:r>
+            <a:r>
+              <a:rPr lang="ko-KR" altLang="en-US" dirty="0"/>
+              <a:t>월부터 주당 </a:t>
+            </a:r>
+            <a:r>
+              <a:rPr lang="en-US" altLang="ko-KR" dirty="0"/>
+              <a:t>1</a:t>
+            </a:r>
+            <a:r>
+              <a:rPr lang="ko-KR" altLang="en-US" dirty="0"/>
+              <a:t>회 회의를 진행하였습니다</a:t>
+            </a:r>
+            <a:r>
+              <a:rPr lang="en-US" altLang="ko-KR" dirty="0"/>
+              <a:t>. </a:t>
+            </a:r>
+          </a:p>
+          <a:p>
+            <a:pPr marL="0" marR="0" lvl="0" indent="0" algn="l" defTabSz="914400" rtl="0" eaLnBrk="1" fontAlgn="auto" latinLnBrk="1" hangingPunct="1">
+              <a:lnSpc>
+                <a:spcPct val="100000"/>
+              </a:lnSpc>
+              <a:spcBef>
+                <a:spcPts val="0"/>
+              </a:spcBef>
+              <a:spcAft>
+                <a:spcPts val="0"/>
+              </a:spcAft>
+              <a:buClrTx/>
+              <a:buSzTx/>
+              <a:buFontTx/>
+              <a:buNone/>
+              <a:tabLst/>
+              <a:defRPr/>
+            </a:pPr>
+            <a:r>
+              <a:rPr lang="ko-KR" altLang="en-US" dirty="0"/>
+              <a:t>회의 내용으론 각 파트 별 진행 과정과 다음 회의까지의 개발 항목을 정했습니다</a:t>
+            </a:r>
+            <a:r>
+              <a:rPr lang="en-US" altLang="ko-KR" dirty="0"/>
+              <a:t>.</a:t>
+            </a:r>
+            <a:endParaRPr lang="ko-KR" altLang="en-US" dirty="0"/>
+          </a:p>
+          <a:p>
             <a:endParaRPr lang="ko-KR" altLang="en-US" dirty="0"/>
           </a:p>
         </p:txBody>
@@ -2785,6 +2812,159 @@
             <a:fld id="{502B3F1D-C460-488B-AC90-23D6B6DBB4CA}" type="slidenum">
               <a:rPr lang="ko-KR" altLang="en-US" smtClean="0"/>
               <a:t>9</a:t>
+            </a:fld>
+            <a:endParaRPr lang="ko-KR" altLang="en-US"/>
+          </a:p>
+        </p:txBody>
+      </p:sp>
+    </p:spTree>
+    <p:extLst>
+      <p:ext uri="{BB962C8B-B14F-4D97-AF65-F5344CB8AC3E}">
+        <p14:creationId xmlns:p14="http://schemas.microsoft.com/office/powerpoint/2010/main" val="3251174455"/>
+      </p:ext>
+    </p:extLst>
+  </p:cSld>
+  <p:clrMapOvr>
+    <a:masterClrMapping/>
+  </p:clrMapOvr>
+</p:notes>
+</file>
+
+<file path=ppt/notesSlides/notesSlide4.xml><?xml version="1.0" encoding="utf-8"?>
+<p:notes xmlns:a="http://schemas.openxmlformats.org/drawingml/2006/main" xmlns:r="http://schemas.openxmlformats.org/officeDocument/2006/relationships" xmlns:p="http://schemas.openxmlformats.org/presentationml/2006/main">
+  <p:cSld>
+    <p:spTree>
+      <p:nvGrpSpPr>
+        <p:cNvPr id="1" name=""/>
+        <p:cNvGrpSpPr/>
+        <p:nvPr/>
+      </p:nvGrpSpPr>
+      <p:grpSpPr>
+        <a:xfrm>
+          <a:off x="0" y="0"/>
+          <a:ext cx="0" cy="0"/>
+          <a:chOff x="0" y="0"/>
+          <a:chExt cx="0" cy="0"/>
+        </a:xfrm>
+      </p:grpSpPr>
+      <p:sp>
+        <p:nvSpPr>
+          <p:cNvPr id="2" name="슬라이드 이미지 개체 틀 1"/>
+          <p:cNvSpPr>
+            <a:spLocks noGrp="1" noRot="1" noChangeAspect="1"/>
+          </p:cNvSpPr>
+          <p:nvPr>
+            <p:ph type="sldImg"/>
+          </p:nvPr>
+        </p:nvSpPr>
+        <p:spPr/>
+      </p:sp>
+      <p:sp>
+        <p:nvSpPr>
+          <p:cNvPr id="3" name="슬라이드 노트 개체 틀 2"/>
+          <p:cNvSpPr>
+            <a:spLocks noGrp="1"/>
+          </p:cNvSpPr>
+          <p:nvPr>
+            <p:ph type="body" idx="1"/>
+          </p:nvPr>
+        </p:nvSpPr>
+        <p:spPr/>
+        <p:txBody>
+          <a:bodyPr/>
+          <a:lstStyle/>
+          <a:p>
+            <a:r>
+              <a:rPr lang="ko-KR" altLang="en-US" dirty="0"/>
+              <a:t>프로젝트를 진행하면서 제작하게 된 </a:t>
+            </a:r>
+            <a:r>
+              <a:rPr lang="en-US" altLang="ko-KR" dirty="0"/>
+              <a:t>PM</a:t>
+            </a:r>
+            <a:r>
+              <a:rPr lang="ko-KR" altLang="en-US" dirty="0"/>
+              <a:t>시트입니다</a:t>
+            </a:r>
+            <a:r>
+              <a:rPr lang="en-US" altLang="ko-KR" dirty="0"/>
+              <a:t>.</a:t>
+            </a:r>
+            <a:br>
+              <a:rPr lang="en-US" altLang="ko-KR" dirty="0"/>
+            </a:br>
+            <a:r>
+              <a:rPr lang="ko-KR" altLang="en-US" dirty="0"/>
+              <a:t>작업목록과</a:t>
+            </a:r>
+            <a:r>
+              <a:rPr lang="en-US" altLang="ko-KR" dirty="0"/>
+              <a:t> </a:t>
+            </a:r>
+            <a:r>
+              <a:rPr lang="ko-KR" altLang="en-US" dirty="0"/>
+              <a:t>작업자</a:t>
+            </a:r>
+            <a:r>
+              <a:rPr lang="en-US" altLang="ko-KR" dirty="0"/>
+              <a:t>, </a:t>
+            </a:r>
+            <a:r>
+              <a:rPr lang="ko-KR" altLang="en-US" dirty="0"/>
+              <a:t>날짜 등의 항목을 기재하여 시트를 제작하였습니다</a:t>
+            </a:r>
+            <a:r>
+              <a:rPr lang="en-US" altLang="ko-KR" dirty="0"/>
+              <a:t>.</a:t>
+            </a:r>
+          </a:p>
+          <a:p>
+            <a:r>
+              <a:rPr lang="ko-KR" altLang="en-US" dirty="0"/>
+              <a:t>이를 통해 프로젝트의 진행도</a:t>
+            </a:r>
+            <a:r>
+              <a:rPr lang="en-US" altLang="ko-KR" dirty="0"/>
+              <a:t> </a:t>
+            </a:r>
+            <a:r>
+              <a:rPr lang="ko-KR" altLang="en-US" dirty="0"/>
+              <a:t>파악과</a:t>
+            </a:r>
+            <a:r>
+              <a:rPr lang="en-US" altLang="ko-KR" dirty="0"/>
+              <a:t> </a:t>
+            </a:r>
+            <a:r>
+              <a:rPr lang="ko-KR" altLang="en-US" dirty="0"/>
+              <a:t>개발 계획을 수립할 수 있습니다</a:t>
+            </a:r>
+            <a:r>
+              <a:rPr lang="en-US" altLang="ko-KR" dirty="0"/>
+              <a:t>.</a:t>
+            </a:r>
+            <a:endParaRPr lang="ko-KR" altLang="en-US" dirty="0"/>
+          </a:p>
+        </p:txBody>
+      </p:sp>
+      <p:sp>
+        <p:nvSpPr>
+          <p:cNvPr id="4" name="슬라이드 번호 개체 틀 3"/>
+          <p:cNvSpPr>
+            <a:spLocks noGrp="1"/>
+          </p:cNvSpPr>
+          <p:nvPr>
+            <p:ph type="sldNum" sz="quarter" idx="5"/>
+          </p:nvPr>
+        </p:nvSpPr>
+        <p:spPr/>
+        <p:txBody>
+          <a:bodyPr/>
+          <a:lstStyle/>
+          <a:p>
+            <a:fld id="{502B3F1D-C460-488B-AC90-23D6B6DBB4CA}" type="slidenum">
+              <a:rPr lang="ko-KR" altLang="en-US" smtClean="0"/>
+              <a:t>10</a:t>
             </a:fld>
             <a:endParaRPr lang="ko-KR" altLang="en-US"/>
           </a:p>
@@ -2950,7 +3130,7 @@
           <a:p>
             <a:fld id="{7181344A-7A63-402B-90BB-7821DC874E55}" type="datetime1">
               <a:rPr lang="ko-KR" altLang="en-US" smtClean="0"/>
-              <a:t>2023-04-23</a:t>
+              <a:t>2023-04-29</a:t>
             </a:fld>
             <a:endParaRPr lang="ko-KR" altLang="en-US"/>
           </a:p>
@@ -3148,7 +3328,7 @@
           <a:p>
             <a:fld id="{8F983EF2-0B73-459E-B093-8CC99A4C4A80}" type="datetime1">
               <a:rPr lang="ko-KR" altLang="en-US" smtClean="0"/>
-              <a:t>2023-04-23</a:t>
+              <a:t>2023-04-29</a:t>
             </a:fld>
             <a:endParaRPr lang="ko-KR" altLang="en-US"/>
           </a:p>
@@ -3356,7 +3536,7 @@
           <a:p>
             <a:fld id="{86FCE869-CFC9-4CC4-87BC-6890FBA73061}" type="datetime1">
               <a:rPr lang="ko-KR" altLang="en-US" smtClean="0"/>
-              <a:t>2023-04-23</a:t>
+              <a:t>2023-04-29</a:t>
             </a:fld>
             <a:endParaRPr lang="ko-KR" altLang="en-US"/>
           </a:p>
@@ -3554,7 +3734,7 @@
           <a:p>
             <a:fld id="{9E9F8EC8-5D7A-4764-BFDE-9976F82EFAB7}" type="datetime1">
               <a:rPr lang="ko-KR" altLang="en-US" smtClean="0"/>
-              <a:t>2023-04-23</a:t>
+              <a:t>2023-04-29</a:t>
             </a:fld>
             <a:endParaRPr lang="ko-KR" altLang="en-US"/>
           </a:p>
@@ -3829,7 +4009,7 @@
           <a:p>
             <a:fld id="{AF7A7BE0-6502-467D-8AAF-E52B71B215DC}" type="datetime1">
               <a:rPr lang="ko-KR" altLang="en-US" smtClean="0"/>
-              <a:t>2023-04-23</a:t>
+              <a:t>2023-04-29</a:t>
             </a:fld>
             <a:endParaRPr lang="ko-KR" altLang="en-US"/>
           </a:p>
@@ -4094,7 +4274,7 @@
           <a:p>
             <a:fld id="{61C2D3F6-D5E1-4427-A632-FCDD03BEE52C}" type="datetime1">
               <a:rPr lang="ko-KR" altLang="en-US" smtClean="0"/>
-              <a:t>2023-04-23</a:t>
+              <a:t>2023-04-29</a:t>
             </a:fld>
             <a:endParaRPr lang="ko-KR" altLang="en-US"/>
           </a:p>
@@ -4506,7 +4686,7 @@
           <a:p>
             <a:fld id="{875AD41B-9585-459F-8521-7BF39A41AC41}" type="datetime1">
               <a:rPr lang="ko-KR" altLang="en-US" smtClean="0"/>
-              <a:t>2023-04-23</a:t>
+              <a:t>2023-04-29</a:t>
             </a:fld>
             <a:endParaRPr lang="ko-KR" altLang="en-US"/>
           </a:p>
@@ -4647,7 +4827,7 @@
           <a:p>
             <a:fld id="{367ED9D7-1D93-48E8-9580-5AE9DA18C7DE}" type="datetime1">
               <a:rPr lang="ko-KR" altLang="en-US" smtClean="0"/>
-              <a:t>2023-04-23</a:t>
+              <a:t>2023-04-29</a:t>
             </a:fld>
             <a:endParaRPr lang="ko-KR" altLang="en-US"/>
           </a:p>
@@ -4760,7 +4940,7 @@
           <a:p>
             <a:fld id="{059CE343-FDB8-4080-A3FF-853898A6821E}" type="datetime1">
               <a:rPr lang="ko-KR" altLang="en-US" smtClean="0"/>
-              <a:t>2023-04-23</a:t>
+              <a:t>2023-04-29</a:t>
             </a:fld>
             <a:endParaRPr lang="ko-KR" altLang="en-US"/>
           </a:p>
@@ -5071,7 +5251,7 @@
           <a:p>
             <a:fld id="{2038A520-3EDA-4B88-A72B-A0D5FEB2A798}" type="datetime1">
               <a:rPr lang="ko-KR" altLang="en-US" smtClean="0"/>
-              <a:t>2023-04-23</a:t>
+              <a:t>2023-04-29</a:t>
             </a:fld>
             <a:endParaRPr lang="ko-KR" altLang="en-US"/>
           </a:p>
@@ -5359,7 +5539,7 @@
           <a:p>
             <a:fld id="{A40E8810-3872-4F10-A5B6-5BF116CC7729}" type="datetime1">
               <a:rPr lang="ko-KR" altLang="en-US" smtClean="0"/>
-              <a:t>2023-04-23</a:t>
+              <a:t>2023-04-29</a:t>
             </a:fld>
             <a:endParaRPr lang="ko-KR" altLang="en-US"/>
           </a:p>
@@ -5600,7 +5780,7 @@
           <a:p>
             <a:fld id="{55E5995F-F0E9-4D07-B15B-18DDB1EE9E93}" type="datetime1">
               <a:rPr lang="ko-KR" altLang="en-US" smtClean="0"/>
-              <a:t>2023-04-23</a:t>
+              <a:t>2023-04-29</a:t>
             </a:fld>
             <a:endParaRPr lang="ko-KR" altLang="en-US"/>
           </a:p>
@@ -6131,14 +6311,6 @@
 <file path=ppt/slides/slide10.xml><?xml version="1.0" encoding="utf-8"?>
 <p:sld xmlns:a="http://schemas.openxmlformats.org/drawingml/2006/main" xmlns:r="http://schemas.openxmlformats.org/officeDocument/2006/relationships" xmlns:p="http://schemas.openxmlformats.org/presentationml/2006/main">
   <p:cSld>
-    <p:bg>
-      <p:bgPr>
-        <a:solidFill>
-          <a:srgbClr val="AFABAB"/>
-        </a:solidFill>
-        <a:effectLst/>
-      </p:bgPr>
-    </p:bg>
     <p:spTree>
       <p:nvGrpSpPr>
         <p:cNvPr id="1" name=""/>
@@ -6153,12 +6325,335 @@
           <a:chExt cx="0" cy="0"/>
         </a:xfrm>
       </p:grpSpPr>
+      <p:sp>
+        <p:nvSpPr>
+          <p:cNvPr id="2" name="제목 1">
+            <a:extLst>
+              <a:ext uri="{FF2B5EF4-FFF2-40B4-BE49-F238E27FC236}">
+                <a16:creationId xmlns:a16="http://schemas.microsoft.com/office/drawing/2014/main" id="{001BFE68-2077-DCE3-1A9C-13F10FABB88F}"/>
+              </a:ext>
+            </a:extLst>
+          </p:cNvPr>
+          <p:cNvSpPr>
+            <a:spLocks noGrp="1"/>
+          </p:cNvSpPr>
+          <p:nvPr>
+            <p:ph type="title"/>
+          </p:nvPr>
+        </p:nvSpPr>
+        <p:spPr>
+          <a:xfrm>
+            <a:off x="838200" y="584331"/>
+            <a:ext cx="10515600" cy="655746"/>
+          </a:xfrm>
+        </p:spPr>
+        <p:txBody>
+          <a:bodyPr>
+            <a:normAutofit/>
+          </a:bodyPr>
+          <a:lstStyle/>
+          <a:p>
+            <a:r>
+              <a:rPr lang="en-US" altLang="ko-KR" sz="3600" b="1" dirty="0"/>
+              <a:t>4. </a:t>
+            </a:r>
+            <a:r>
+              <a:rPr lang="ko-KR" altLang="en-US" sz="3600" b="1" dirty="0"/>
+              <a:t>개발 진행 </a:t>
+            </a:r>
+            <a:r>
+              <a:rPr lang="en-US" altLang="ko-KR" sz="3600" b="1" dirty="0"/>
+              <a:t>- </a:t>
+            </a:r>
+            <a:r>
+              <a:rPr lang="ko-KR" altLang="en-US" sz="3600" b="1" dirty="0"/>
+              <a:t>개발 일정</a:t>
+            </a:r>
+          </a:p>
+        </p:txBody>
+      </p:sp>
+      <p:sp>
+        <p:nvSpPr>
+          <p:cNvPr id="6" name="TextBox 5">
+            <a:extLst>
+              <a:ext uri="{FF2B5EF4-FFF2-40B4-BE49-F238E27FC236}">
+                <a16:creationId xmlns:a16="http://schemas.microsoft.com/office/drawing/2014/main" id="{1EDE7DF1-9C29-AA0B-1EC6-4B6BFD1689A6}"/>
+              </a:ext>
+            </a:extLst>
+          </p:cNvPr>
+          <p:cNvSpPr txBox="1"/>
+          <p:nvPr/>
+        </p:nvSpPr>
+        <p:spPr>
+          <a:xfrm>
+            <a:off x="2804525" y="6020622"/>
+            <a:ext cx="6840776" cy="246221"/>
+          </a:xfrm>
+          <a:prstGeom prst="rect">
+            <a:avLst/>
+          </a:prstGeom>
+          <a:noFill/>
+        </p:spPr>
+        <p:txBody>
+          <a:bodyPr wrap="square">
+            <a:spAutoFit/>
+          </a:bodyPr>
+          <a:lstStyle/>
+          <a:p>
+            <a:r>
+              <a:rPr lang="ko-KR" altLang="en-US" sz="1000" dirty="0">
+                <a:hlinkClick r:id="rId3"/>
+              </a:rPr>
+              <a:t>https://docs.google.com/spreadsheets/d/1GVk9FKL1ex23iV6LuaZ_WNIyOAtun5E0q-XaovTURLk/edit?usp=share_link</a:t>
+            </a:r>
+            <a:r>
+              <a:rPr lang="ko-KR" altLang="en-US" sz="1000" dirty="0"/>
+              <a:t> </a:t>
+            </a:r>
+          </a:p>
+        </p:txBody>
+      </p:sp>
+      <p:grpSp>
+        <p:nvGrpSpPr>
+          <p:cNvPr id="5" name="그룹 4">
+            <a:extLst>
+              <a:ext uri="{FF2B5EF4-FFF2-40B4-BE49-F238E27FC236}">
+                <a16:creationId xmlns:a16="http://schemas.microsoft.com/office/drawing/2014/main" id="{6DD7DBA9-3445-5B07-7D1F-788ECD498CC1}"/>
+              </a:ext>
+            </a:extLst>
+          </p:cNvPr>
+          <p:cNvGrpSpPr/>
+          <p:nvPr/>
+        </p:nvGrpSpPr>
+        <p:grpSpPr>
+          <a:xfrm>
+            <a:off x="11144511" y="584331"/>
+            <a:ext cx="418578" cy="494281"/>
+            <a:chOff x="10994695" y="955085"/>
+            <a:chExt cx="418578" cy="494281"/>
+          </a:xfrm>
+        </p:grpSpPr>
+        <p:pic>
+          <p:nvPicPr>
+            <p:cNvPr id="8" name="Picture 2" descr="쓰레기통 - 무료 자연개 아이콘">
+              <a:extLst>
+                <a:ext uri="{FF2B5EF4-FFF2-40B4-BE49-F238E27FC236}">
+                  <a16:creationId xmlns:a16="http://schemas.microsoft.com/office/drawing/2014/main" id="{EC235512-CC74-94BF-B30C-6EAB162618EE}"/>
+                </a:ext>
+              </a:extLst>
+            </p:cNvPr>
+            <p:cNvPicPr>
+              <a:picLocks noChangeAspect="1" noChangeArrowheads="1"/>
+            </p:cNvPicPr>
+            <p:nvPr/>
+          </p:nvPicPr>
+          <p:blipFill>
+            <a:blip r:embed="rId4">
+              <a:extLst>
+                <a:ext uri="{28A0092B-C50C-407E-A947-70E740481C1C}">
+                  <a14:useLocalDpi xmlns:a14="http://schemas.microsoft.com/office/drawing/2010/main" val="0"/>
+                </a:ext>
+              </a:extLst>
+            </a:blip>
+            <a:srcRect/>
+            <a:stretch>
+              <a:fillRect/>
+            </a:stretch>
+          </p:blipFill>
+          <p:spPr bwMode="auto">
+            <a:xfrm>
+              <a:off x="10994695" y="1030788"/>
+              <a:ext cx="418578" cy="418578"/>
+            </a:xfrm>
+            <a:prstGeom prst="rect">
+              <a:avLst/>
+            </a:prstGeom>
+            <a:noFill/>
+            <a:extLst>
+              <a:ext uri="{909E8E84-426E-40DD-AFC4-6F175D3DCCD1}">
+                <a14:hiddenFill xmlns:a14="http://schemas.microsoft.com/office/drawing/2010/main">
+                  <a:solidFill>
+                    <a:srgbClr val="FFFFFF"/>
+                  </a:solidFill>
+                </a14:hiddenFill>
+              </a:ext>
+            </a:extLst>
+          </p:spPr>
+        </p:pic>
+        <p:pic>
+          <p:nvPicPr>
+            <p:cNvPr id="9" name="그림 8">
+              <a:extLst>
+                <a:ext uri="{FF2B5EF4-FFF2-40B4-BE49-F238E27FC236}">
+                  <a16:creationId xmlns:a16="http://schemas.microsoft.com/office/drawing/2014/main" id="{93062261-5589-FEAA-4B5A-97842EE0AF95}"/>
+                </a:ext>
+              </a:extLst>
+            </p:cNvPr>
+            <p:cNvPicPr>
+              <a:picLocks noChangeAspect="1"/>
+            </p:cNvPicPr>
+            <p:nvPr/>
+          </p:nvPicPr>
+          <p:blipFill>
+            <a:blip r:embed="rId5">
+              <a:extLst>
+                <a:ext uri="{28A0092B-C50C-407E-A947-70E740481C1C}">
+                  <a14:useLocalDpi xmlns:a14="http://schemas.microsoft.com/office/drawing/2010/main" val="0"/>
+                </a:ext>
+              </a:extLst>
+            </a:blip>
+            <a:stretch>
+              <a:fillRect/>
+            </a:stretch>
+          </p:blipFill>
+          <p:spPr>
+            <a:xfrm>
+              <a:off x="11137650" y="955085"/>
+              <a:ext cx="191047" cy="191047"/>
+            </a:xfrm>
+            <a:prstGeom prst="rect">
+              <a:avLst/>
+            </a:prstGeom>
+          </p:spPr>
+        </p:pic>
+      </p:grpSp>
+      <p:cxnSp>
+        <p:nvCxnSpPr>
+          <p:cNvPr id="10" name="직선 연결선 9">
+            <a:extLst>
+              <a:ext uri="{FF2B5EF4-FFF2-40B4-BE49-F238E27FC236}">
+                <a16:creationId xmlns:a16="http://schemas.microsoft.com/office/drawing/2014/main" id="{600FDB72-CC92-85E0-EF1F-1A0CCFEBD82B}"/>
+              </a:ext>
+            </a:extLst>
+          </p:cNvPr>
+          <p:cNvCxnSpPr>
+            <a:cxnSpLocks/>
+          </p:cNvCxnSpPr>
+          <p:nvPr/>
+        </p:nvCxnSpPr>
+        <p:spPr>
+          <a:xfrm>
+            <a:off x="838200" y="1246475"/>
+            <a:ext cx="10773427" cy="0"/>
+          </a:xfrm>
+          <a:prstGeom prst="line">
+            <a:avLst/>
+          </a:prstGeom>
+          <a:ln w="28575">
+            <a:solidFill>
+              <a:schemeClr val="tx1"/>
+            </a:solidFill>
+          </a:ln>
+        </p:spPr>
+        <p:style>
+          <a:lnRef idx="1">
+            <a:schemeClr val="accent1"/>
+          </a:lnRef>
+          <a:fillRef idx="0">
+            <a:schemeClr val="accent1"/>
+          </a:fillRef>
+          <a:effectRef idx="0">
+            <a:schemeClr val="accent1"/>
+          </a:effectRef>
+          <a:fontRef idx="minor">
+            <a:schemeClr val="tx1"/>
+          </a:fontRef>
+        </p:style>
+      </p:cxnSp>
+      <p:sp>
+        <p:nvSpPr>
+          <p:cNvPr id="3" name="슬라이드 번호 개체 틀 2">
+            <a:extLst>
+              <a:ext uri="{FF2B5EF4-FFF2-40B4-BE49-F238E27FC236}">
+                <a16:creationId xmlns:a16="http://schemas.microsoft.com/office/drawing/2014/main" id="{F22BE82A-7C3B-8FA2-76A9-8AA9B50F1C76}"/>
+              </a:ext>
+            </a:extLst>
+          </p:cNvPr>
+          <p:cNvSpPr>
+            <a:spLocks noGrp="1"/>
+          </p:cNvSpPr>
+          <p:nvPr>
+            <p:ph type="sldNum" sz="quarter" idx="12"/>
+          </p:nvPr>
+        </p:nvSpPr>
+        <p:spPr>
+          <a:xfrm>
+            <a:off x="8610600" y="6035574"/>
+            <a:ext cx="2743200" cy="365125"/>
+          </a:xfrm>
+        </p:spPr>
+        <p:txBody>
+          <a:bodyPr/>
+          <a:lstStyle/>
+          <a:p>
+            <a:fld id="{70726F88-B4A8-48C6-AB78-E2ED032740CB}" type="slidenum">
+              <a:rPr lang="ko-KR" altLang="en-US" smtClean="0"/>
+              <a:t>10</a:t>
+            </a:fld>
+            <a:endParaRPr lang="ko-KR" altLang="en-US" dirty="0"/>
+          </a:p>
+        </p:txBody>
+      </p:sp>
+      <p:sp>
+        <p:nvSpPr>
+          <p:cNvPr id="11" name="직사각형 10">
+            <a:extLst>
+              <a:ext uri="{FF2B5EF4-FFF2-40B4-BE49-F238E27FC236}">
+                <a16:creationId xmlns:a16="http://schemas.microsoft.com/office/drawing/2014/main" id="{ACD897B3-94C5-80E8-DD2A-A1516F87A8BB}"/>
+              </a:ext>
+            </a:extLst>
+          </p:cNvPr>
+          <p:cNvSpPr/>
+          <p:nvPr/>
+        </p:nvSpPr>
+        <p:spPr>
+          <a:xfrm>
+            <a:off x="0" y="6562164"/>
+            <a:ext cx="12192000" cy="360000"/>
+          </a:xfrm>
+          <a:prstGeom prst="rect">
+            <a:avLst/>
+          </a:prstGeom>
+          <a:solidFill>
+            <a:srgbClr val="AFABAB"/>
+          </a:solidFill>
+          <a:ln>
+            <a:solidFill>
+              <a:srgbClr val="AFABAB"/>
+            </a:solidFill>
+          </a:ln>
+        </p:spPr>
+        <p:style>
+          <a:lnRef idx="2">
+            <a:schemeClr val="accent1">
+              <a:shade val="50000"/>
+            </a:schemeClr>
+          </a:lnRef>
+          <a:fillRef idx="1">
+            <a:schemeClr val="accent1"/>
+          </a:fillRef>
+          <a:effectRef idx="0">
+            <a:schemeClr val="accent1"/>
+          </a:effectRef>
+          <a:fontRef idx="minor">
+            <a:schemeClr val="lt1"/>
+          </a:fontRef>
+        </p:style>
+        <p:txBody>
+          <a:bodyPr rtlCol="0" anchor="ctr"/>
+          <a:lstStyle/>
+          <a:p>
+            <a:pPr algn="ctr"/>
+            <a:endParaRPr lang="ko-KR" altLang="en-US"/>
+          </a:p>
+        </p:txBody>
+      </p:sp>
       <p:pic>
         <p:nvPicPr>
-          <p:cNvPr id="9" name="그림 8">
-            <a:extLst>
-              <a:ext uri="{FF2B5EF4-FFF2-40B4-BE49-F238E27FC236}">
-                <a16:creationId xmlns:a16="http://schemas.microsoft.com/office/drawing/2014/main" id="{B20ABE45-50A4-DB2F-36B3-F16AE9525D91}"/>
+          <p:cNvPr id="12" name="그림 11">
+            <a:extLst>
+              <a:ext uri="{FF2B5EF4-FFF2-40B4-BE49-F238E27FC236}">
+                <a16:creationId xmlns:a16="http://schemas.microsoft.com/office/drawing/2014/main" id="{5279B80C-B9AE-C39A-3973-D97CB3D2D8AD}"/>
               </a:ext>
             </a:extLst>
           </p:cNvPr>
@@ -6167,79 +6662,26 @@
           </p:cNvPicPr>
           <p:nvPr/>
         </p:nvPicPr>
-        <p:blipFill rotWithShape="1">
-          <a:blip r:embed="rId2">
-            <a:alphaModFix amt="50000"/>
-            <a:duotone>
-              <a:prstClr val="black"/>
-              <a:schemeClr val="tx2">
-                <a:tint val="45000"/>
-                <a:satMod val="400000"/>
-              </a:schemeClr>
-            </a:duotone>
-            <a:extLst>
-              <a:ext uri="{28A0092B-C50C-407E-A947-70E740481C1C}">
-                <a14:useLocalDpi xmlns:a14="http://schemas.microsoft.com/office/drawing/2010/main" val="0"/>
-              </a:ext>
-            </a:extLst>
-          </a:blip>
-          <a:srcRect t="17818" b="25932"/>
-          <a:stretch/>
+        <p:blipFill>
+          <a:blip r:embed="rId6"/>
+          <a:stretch>
+            <a:fillRect/>
+          </a:stretch>
         </p:blipFill>
         <p:spPr>
           <a:xfrm>
-            <a:off x="790516" y="889322"/>
-            <a:ext cx="10610967" cy="5968678"/>
+            <a:off x="1366534" y="1385567"/>
+            <a:ext cx="9458932" cy="4086865"/>
           </a:xfrm>
           <a:prstGeom prst="rect">
             <a:avLst/>
           </a:prstGeom>
         </p:spPr>
       </p:pic>
-      <p:sp>
-        <p:nvSpPr>
-          <p:cNvPr id="5" name="제목 1">
-            <a:extLst>
-              <a:ext uri="{FF2B5EF4-FFF2-40B4-BE49-F238E27FC236}">
-                <a16:creationId xmlns:a16="http://schemas.microsoft.com/office/drawing/2014/main" id="{1FAEC83F-68AF-8696-6950-25C3102F0DAD}"/>
-              </a:ext>
-            </a:extLst>
-          </p:cNvPr>
-          <p:cNvSpPr>
-            <a:spLocks noGrp="1"/>
-          </p:cNvSpPr>
-          <p:nvPr>
-            <p:ph type="title"/>
-          </p:nvPr>
-        </p:nvSpPr>
-        <p:spPr>
-          <a:xfrm>
-            <a:off x="1524000" y="1122362"/>
-            <a:ext cx="9144000" cy="2900518"/>
-          </a:xfrm>
-        </p:spPr>
-        <p:txBody>
-          <a:bodyPr vert="horz" lIns="91440" tIns="45720" rIns="91440" bIns="45720" rtlCol="0" anchor="b">
-            <a:normAutofit/>
-          </a:bodyPr>
-          <a:lstStyle/>
-          <a:p>
-            <a:pPr algn="ctr" latinLnBrk="0"/>
-            <a:r>
-              <a:rPr lang="en-US" altLang="ko-KR" sz="6000" b="1" dirty="0"/>
-              <a:t>5. </a:t>
-            </a:r>
-            <a:r>
-              <a:rPr lang="ko-KR" altLang="en-US" sz="6000" b="1" dirty="0"/>
-              <a:t>게임 플레이</a:t>
-            </a:r>
-          </a:p>
-        </p:txBody>
-      </p:sp>
     </p:spTree>
     <p:extLst>
       <p:ext uri="{BB962C8B-B14F-4D97-AF65-F5344CB8AC3E}">
-        <p14:creationId xmlns:p14="http://schemas.microsoft.com/office/powerpoint/2010/main" val="4151438251"/>
+        <p14:creationId xmlns:p14="http://schemas.microsoft.com/office/powerpoint/2010/main" val="1939486521"/>
       </p:ext>
     </p:extLst>
   </p:cSld>
@@ -6274,6 +6716,127 @@
           <a:chExt cx="0" cy="0"/>
         </a:xfrm>
       </p:grpSpPr>
+      <p:pic>
+        <p:nvPicPr>
+          <p:cNvPr id="9" name="그림 8">
+            <a:extLst>
+              <a:ext uri="{FF2B5EF4-FFF2-40B4-BE49-F238E27FC236}">
+                <a16:creationId xmlns:a16="http://schemas.microsoft.com/office/drawing/2014/main" id="{B20ABE45-50A4-DB2F-36B3-F16AE9525D91}"/>
+              </a:ext>
+            </a:extLst>
+          </p:cNvPr>
+          <p:cNvPicPr>
+            <a:picLocks noChangeAspect="1"/>
+          </p:cNvPicPr>
+          <p:nvPr/>
+        </p:nvPicPr>
+        <p:blipFill rotWithShape="1">
+          <a:blip r:embed="rId2">
+            <a:alphaModFix amt="50000"/>
+            <a:duotone>
+              <a:prstClr val="black"/>
+              <a:schemeClr val="tx2">
+                <a:tint val="45000"/>
+                <a:satMod val="400000"/>
+              </a:schemeClr>
+            </a:duotone>
+            <a:extLst>
+              <a:ext uri="{28A0092B-C50C-407E-A947-70E740481C1C}">
+                <a14:useLocalDpi xmlns:a14="http://schemas.microsoft.com/office/drawing/2010/main" val="0"/>
+              </a:ext>
+            </a:extLst>
+          </a:blip>
+          <a:srcRect t="17818" b="25932"/>
+          <a:stretch/>
+        </p:blipFill>
+        <p:spPr>
+          <a:xfrm>
+            <a:off x="790516" y="889322"/>
+            <a:ext cx="10610967" cy="5968678"/>
+          </a:xfrm>
+          <a:prstGeom prst="rect">
+            <a:avLst/>
+          </a:prstGeom>
+        </p:spPr>
+      </p:pic>
+      <p:sp>
+        <p:nvSpPr>
+          <p:cNvPr id="5" name="제목 1">
+            <a:extLst>
+              <a:ext uri="{FF2B5EF4-FFF2-40B4-BE49-F238E27FC236}">
+                <a16:creationId xmlns:a16="http://schemas.microsoft.com/office/drawing/2014/main" id="{1FAEC83F-68AF-8696-6950-25C3102F0DAD}"/>
+              </a:ext>
+            </a:extLst>
+          </p:cNvPr>
+          <p:cNvSpPr>
+            <a:spLocks noGrp="1"/>
+          </p:cNvSpPr>
+          <p:nvPr>
+            <p:ph type="title"/>
+          </p:nvPr>
+        </p:nvSpPr>
+        <p:spPr>
+          <a:xfrm>
+            <a:off x="1524000" y="1122362"/>
+            <a:ext cx="9144000" cy="2900518"/>
+          </a:xfrm>
+        </p:spPr>
+        <p:txBody>
+          <a:bodyPr vert="horz" lIns="91440" tIns="45720" rIns="91440" bIns="45720" rtlCol="0" anchor="b">
+            <a:normAutofit/>
+          </a:bodyPr>
+          <a:lstStyle/>
+          <a:p>
+            <a:pPr algn="ctr" latinLnBrk="0"/>
+            <a:r>
+              <a:rPr lang="en-US" altLang="ko-KR" sz="6000" b="1" dirty="0"/>
+              <a:t>5. </a:t>
+            </a:r>
+            <a:r>
+              <a:rPr lang="ko-KR" altLang="en-US" sz="6000" b="1" dirty="0"/>
+              <a:t>게임 플레이</a:t>
+            </a:r>
+          </a:p>
+        </p:txBody>
+      </p:sp>
+    </p:spTree>
+    <p:extLst>
+      <p:ext uri="{BB962C8B-B14F-4D97-AF65-F5344CB8AC3E}">
+        <p14:creationId xmlns:p14="http://schemas.microsoft.com/office/powerpoint/2010/main" val="4151438251"/>
+      </p:ext>
+    </p:extLst>
+  </p:cSld>
+  <p:clrMapOvr>
+    <a:masterClrMapping/>
+  </p:clrMapOvr>
+</p:sld>
+</file>
+
+<file path=ppt/slides/slide12.xml><?xml version="1.0" encoding="utf-8"?>
+<p:sld xmlns:a="http://schemas.openxmlformats.org/drawingml/2006/main" xmlns:r="http://schemas.openxmlformats.org/officeDocument/2006/relationships" xmlns:p="http://schemas.openxmlformats.org/presentationml/2006/main">
+  <p:cSld>
+    <p:bg>
+      <p:bgPr>
+        <a:solidFill>
+          <a:srgbClr val="AFABAB"/>
+        </a:solidFill>
+        <a:effectLst/>
+      </p:bgPr>
+    </p:bg>
+    <p:spTree>
+      <p:nvGrpSpPr>
+        <p:cNvPr id="1" name=""/>
+        <p:cNvGrpSpPr/>
+        <p:nvPr/>
+      </p:nvGrpSpPr>
+      <p:grpSpPr>
+        <a:xfrm>
+          <a:off x="0" y="0"/>
+          <a:ext cx="0" cy="0"/>
+          <a:chOff x="0" y="0"/>
+          <a:chExt cx="0" cy="0"/>
+        </a:xfrm>
+      </p:grpSpPr>
       <p:sp>
         <p:nvSpPr>
           <p:cNvPr id="5" name="제목 1">
@@ -6342,7 +6905,7 @@
 </p:sld>
 </file>
 
-<file path=ppt/slides/slide12.xml><?xml version="1.0" encoding="utf-8"?>
+<file path=ppt/slides/slide13.xml><?xml version="1.0" encoding="utf-8"?>
 <p:sld xmlns:a="http://schemas.openxmlformats.org/drawingml/2006/main" xmlns:r="http://schemas.openxmlformats.org/officeDocument/2006/relationships" xmlns:p="http://schemas.openxmlformats.org/presentationml/2006/main">
   <p:cSld>
     <p:bg>
@@ -7532,6 +8095,17 @@
             <a:endParaRPr lang="en-US" altLang="ko-KR" sz="1800" dirty="0"/>
           </a:p>
           <a:p>
+            <a:pPr lvl="1">
+              <a:buFont typeface="Wingdings" panose="05000000000000000000" pitchFamily="2" charset="2"/>
+              <a:buChar char="§"/>
+            </a:pPr>
+            <a:r>
+              <a:rPr lang="ko-KR" altLang="en-US" sz="1800" dirty="0"/>
+              <a:t>모티브</a:t>
+            </a:r>
+            <a:endParaRPr lang="en-US" altLang="ko-KR" sz="1800" dirty="0"/>
+          </a:p>
+          <a:p>
             <a:pPr marL="514350" indent="-514350">
               <a:buFont typeface="+mj-lt"/>
               <a:buAutoNum type="arabicPeriod"/>
@@ -7584,7 +8158,7 @@
               <a:rPr lang="ko-KR" altLang="en-US" sz="1800" dirty="0"/>
               <a:t>스토리</a:t>
             </a:r>
-            <a:endParaRPr lang="en-US" altLang="ko-KR" sz="1800" dirty="0"/>
+            <a:endParaRPr lang="en-US" altLang="ko-KR" sz="1400" b="1" dirty="0"/>
           </a:p>
           <a:p>
             <a:pPr marL="514350" indent="-514350">
@@ -7837,14 +8411,14 @@
           <p:nvPr>
             <p:extLst>
               <p:ext uri="{D42A27DB-BD31-4B8C-83A1-F6EECF244321}">
-                <p14:modId xmlns:p14="http://schemas.microsoft.com/office/powerpoint/2010/main" val="3717206360"/>
+                <p14:modId xmlns:p14="http://schemas.microsoft.com/office/powerpoint/2010/main" val="4115610813"/>
               </p:ext>
             </p:extLst>
           </p:nvPr>
         </p:nvGraphicFramePr>
         <p:xfrm>
-          <a:off x="6096000" y="3223782"/>
-          <a:ext cx="4573392" cy="1854200"/>
+          <a:off x="6224913" y="2798492"/>
+          <a:ext cx="4889326" cy="2650330"/>
         </p:xfrm>
         <a:graphic>
           <a:graphicData uri="http://schemas.openxmlformats.org/drawingml/2006/table">
@@ -7853,14 +8427,14 @@
                 <a:tableStyleId>{5C22544A-7EE6-4342-B048-85BDC9FD1C3A}</a:tableStyleId>
               </a:tblPr>
               <a:tblGrid>
-                <a:gridCol w="2286696">
+                <a:gridCol w="1939511">
                   <a:extLst>
                     <a:ext uri="{9D8B030D-6E8A-4147-A177-3AD203B41FA5}">
                       <a16:colId xmlns:a16="http://schemas.microsoft.com/office/drawing/2014/main" val="2555545524"/>
                     </a:ext>
                   </a:extLst>
                 </a:gridCol>
-                <a:gridCol w="2286696">
+                <a:gridCol w="2949815">
                   <a:extLst>
                     <a:ext uri="{9D8B030D-6E8A-4147-A177-3AD203B41FA5}">
                       <a16:colId xmlns:a16="http://schemas.microsoft.com/office/drawing/2014/main" val="1359358058"/>
@@ -7868,21 +8442,21 @@
                   </a:extLst>
                 </a:gridCol>
               </a:tblGrid>
-              <a:tr h="370840">
+              <a:tr h="530066">
                 <a:tc>
                   <a:txBody>
                     <a:bodyPr/>
                     <a:lstStyle/>
                     <a:p>
-                      <a:pPr latinLnBrk="1"/>
+                      <a:pPr algn="ctr" latinLnBrk="1"/>
                       <a:r>
-                        <a:rPr lang="ko-KR" altLang="en-US" dirty="0" err="1"/>
+                        <a:rPr lang="ko-KR" altLang="en-US" sz="2000" dirty="0" err="1"/>
                         <a:t>게임명</a:t>
                       </a:r>
-                      <a:endParaRPr lang="ko-KR" altLang="en-US" dirty="0"/>
+                      <a:endParaRPr lang="ko-KR" altLang="en-US" sz="2000" dirty="0"/>
                     </a:p>
                   </a:txBody>
-                  <a:tcPr>
+                  <a:tcPr anchor="ctr">
                     <a:solidFill>
                       <a:schemeClr val="bg1">
                         <a:lumMod val="50000"/>
@@ -7895,14 +8469,14 @@
                     <a:bodyPr/>
                     <a:lstStyle/>
                     <a:p>
-                      <a:pPr latinLnBrk="1"/>
+                      <a:pPr algn="ctr" latinLnBrk="1"/>
                       <a:r>
-                        <a:rPr lang="en-US" altLang="ko-KR" dirty="0"/>
+                        <a:rPr lang="en-US" altLang="ko-KR" sz="2000" dirty="0"/>
                         <a:t>Trashes</a:t>
                       </a:r>
                     </a:p>
                   </a:txBody>
-                  <a:tcPr>
+                  <a:tcPr anchor="ctr">
                     <a:solidFill>
                       <a:schemeClr val="bg1">
                         <a:lumMod val="50000"/>
@@ -7916,34 +8490,46 @@
                   </a:ext>
                 </a:extLst>
               </a:tr>
-              <a:tr h="370840">
+              <a:tr h="530066">
                 <a:tc>
                   <a:txBody>
                     <a:bodyPr/>
                     <a:lstStyle/>
                     <a:p>
-                      <a:pPr latinLnBrk="1"/>
+                      <a:pPr algn="ctr" latinLnBrk="1"/>
                       <a:r>
-                        <a:rPr lang="ko-KR" altLang="en-US" dirty="0"/>
+                        <a:rPr lang="ko-KR" altLang="en-US" sz="2000" dirty="0"/>
                         <a:t>장르</a:t>
                       </a:r>
                     </a:p>
                   </a:txBody>
-                  <a:tcPr/>
+                  <a:tcPr anchor="ctr">
+                    <a:solidFill>
+                      <a:schemeClr val="bg2">
+                        <a:lumMod val="90000"/>
+                      </a:schemeClr>
+                    </a:solidFill>
+                  </a:tcPr>
                 </a:tc>
                 <a:tc>
                   <a:txBody>
                     <a:bodyPr/>
                     <a:lstStyle/>
                     <a:p>
-                      <a:pPr latinLnBrk="1"/>
+                      <a:pPr algn="ctr" latinLnBrk="1"/>
                       <a:r>
-                        <a:rPr lang="ko-KR" altLang="en-US" dirty="0"/>
+                        <a:rPr lang="ko-KR" altLang="en-US" sz="2000" dirty="0"/>
                         <a:t>생존게임</a:t>
                       </a:r>
                     </a:p>
                   </a:txBody>
-                  <a:tcPr/>
+                  <a:tcPr anchor="ctr">
+                    <a:solidFill>
+                      <a:schemeClr val="bg2">
+                        <a:lumMod val="90000"/>
+                      </a:schemeClr>
+                    </a:solidFill>
+                  </a:tcPr>
                 </a:tc>
                 <a:extLst>
                   <a:ext uri="{0D108BD9-81ED-4DB2-BD59-A6C34878D82A}">
@@ -7951,51 +8537,63 @@
                   </a:ext>
                 </a:extLst>
               </a:tr>
-              <a:tr h="370840">
+              <a:tr h="530066">
                 <a:tc>
                   <a:txBody>
                     <a:bodyPr/>
                     <a:lstStyle/>
                     <a:p>
-                      <a:pPr latinLnBrk="1"/>
+                      <a:pPr algn="ctr" latinLnBrk="1"/>
                       <a:r>
-                        <a:rPr lang="ko-KR" altLang="en-US" dirty="0"/>
+                        <a:rPr lang="ko-KR" altLang="en-US" sz="2000" dirty="0"/>
                         <a:t>플랫폼</a:t>
                       </a:r>
                     </a:p>
                   </a:txBody>
-                  <a:tcPr/>
+                  <a:tcPr anchor="ctr">
+                    <a:solidFill>
+                      <a:schemeClr val="bg2">
+                        <a:lumMod val="90000"/>
+                      </a:schemeClr>
+                    </a:solidFill>
+                  </a:tcPr>
                 </a:tc>
                 <a:tc>
                   <a:txBody>
                     <a:bodyPr/>
                     <a:lstStyle/>
                     <a:p>
-                      <a:pPr latinLnBrk="1"/>
+                      <a:pPr algn="ctr" latinLnBrk="1"/>
                       <a:r>
-                        <a:rPr lang="en-US" altLang="ko-KR" dirty="0"/>
+                        <a:rPr lang="en-US" altLang="ko-KR" sz="2000" dirty="0"/>
                         <a:t>PC, </a:t>
                       </a:r>
                       <a:r>
-                        <a:rPr lang="ko-KR" altLang="en-US" dirty="0"/>
+                        <a:rPr lang="ko-KR" altLang="en-US" sz="2000" dirty="0"/>
                         <a:t>모바일</a:t>
                       </a:r>
                       <a:r>
-                        <a:rPr lang="en-US" altLang="ko-KR" dirty="0"/>
+                        <a:rPr lang="en-US" altLang="ko-KR" sz="2000" dirty="0"/>
                         <a:t>(</a:t>
                       </a:r>
                       <a:r>
-                        <a:rPr lang="ko-KR" altLang="en-US" dirty="0"/>
+                        <a:rPr lang="ko-KR" altLang="en-US" sz="2000" dirty="0"/>
                         <a:t>계획</a:t>
                       </a:r>
                       <a:r>
-                        <a:rPr lang="en-US" altLang="ko-KR" dirty="0"/>
+                        <a:rPr lang="en-US" altLang="ko-KR" sz="2000" dirty="0"/>
                         <a:t>)</a:t>
                       </a:r>
-                      <a:endParaRPr lang="ko-KR" altLang="en-US" dirty="0"/>
+                      <a:endParaRPr lang="ko-KR" altLang="en-US" sz="2000" dirty="0"/>
                     </a:p>
                   </a:txBody>
-                  <a:tcPr/>
+                  <a:tcPr anchor="ctr">
+                    <a:solidFill>
+                      <a:schemeClr val="bg2">
+                        <a:lumMod val="90000"/>
+                      </a:schemeClr>
+                    </a:solidFill>
+                  </a:tcPr>
                 </a:tc>
                 <a:extLst>
                   <a:ext uri="{0D108BD9-81ED-4DB2-BD59-A6C34878D82A}">
@@ -8003,35 +8601,47 @@
                   </a:ext>
                 </a:extLst>
               </a:tr>
-              <a:tr h="370840">
+              <a:tr h="530066">
                 <a:tc>
                   <a:txBody>
                     <a:bodyPr/>
                     <a:lstStyle/>
                     <a:p>
-                      <a:pPr latinLnBrk="1"/>
+                      <a:pPr algn="ctr" latinLnBrk="1"/>
                       <a:r>
-                        <a:rPr lang="ko-KR" altLang="en-US" dirty="0"/>
+                        <a:rPr lang="ko-KR" altLang="en-US" sz="2000" dirty="0"/>
                         <a:t>개발 엔진</a:t>
                       </a:r>
                     </a:p>
                   </a:txBody>
-                  <a:tcPr/>
+                  <a:tcPr anchor="ctr">
+                    <a:solidFill>
+                      <a:schemeClr val="bg2">
+                        <a:lumMod val="90000"/>
+                      </a:schemeClr>
+                    </a:solidFill>
+                  </a:tcPr>
                 </a:tc>
                 <a:tc>
                   <a:txBody>
                     <a:bodyPr/>
                     <a:lstStyle/>
                     <a:p>
-                      <a:pPr latinLnBrk="1"/>
+                      <a:pPr algn="ctr" latinLnBrk="1"/>
                       <a:r>
-                        <a:rPr lang="en-US" altLang="ko-KR" dirty="0"/>
+                        <a:rPr lang="en-US" altLang="ko-KR" sz="2000" dirty="0"/>
                         <a:t>Unity</a:t>
                       </a:r>
-                      <a:endParaRPr lang="ko-KR" altLang="en-US" dirty="0"/>
+                      <a:endParaRPr lang="ko-KR" altLang="en-US" sz="2000" dirty="0"/>
                     </a:p>
                   </a:txBody>
-                  <a:tcPr/>
+                  <a:tcPr anchor="ctr">
+                    <a:solidFill>
+                      <a:schemeClr val="bg2">
+                        <a:lumMod val="90000"/>
+                      </a:schemeClr>
+                    </a:solidFill>
+                  </a:tcPr>
                 </a:tc>
                 <a:extLst>
                   <a:ext uri="{0D108BD9-81ED-4DB2-BD59-A6C34878D82A}">
@@ -8039,35 +8649,47 @@
                   </a:ext>
                 </a:extLst>
               </a:tr>
-              <a:tr h="370840">
+              <a:tr h="530066">
                 <a:tc>
                   <a:txBody>
                     <a:bodyPr/>
                     <a:lstStyle/>
                     <a:p>
-                      <a:pPr latinLnBrk="1"/>
+                      <a:pPr algn="ctr" latinLnBrk="1"/>
                       <a:r>
-                        <a:rPr lang="ko-KR" altLang="en-US" dirty="0"/>
+                        <a:rPr lang="ko-KR" altLang="en-US" sz="2000" dirty="0"/>
                         <a:t>개발 기간</a:t>
                       </a:r>
                     </a:p>
                   </a:txBody>
-                  <a:tcPr/>
+                  <a:tcPr anchor="ctr">
+                    <a:solidFill>
+                      <a:schemeClr val="bg2">
+                        <a:lumMod val="90000"/>
+                      </a:schemeClr>
+                    </a:solidFill>
+                  </a:tcPr>
                 </a:tc>
                 <a:tc>
                   <a:txBody>
                     <a:bodyPr/>
                     <a:lstStyle/>
                     <a:p>
-                      <a:pPr latinLnBrk="1"/>
+                      <a:pPr algn="ctr" latinLnBrk="1"/>
                       <a:r>
-                        <a:rPr lang="en-US" altLang="ko-KR" dirty="0"/>
+                        <a:rPr lang="en-US" altLang="ko-KR" sz="2000" dirty="0"/>
                         <a:t>23.01 ~ 23.04</a:t>
                       </a:r>
-                      <a:endParaRPr lang="ko-KR" altLang="en-US" dirty="0"/>
+                      <a:endParaRPr lang="ko-KR" altLang="en-US" sz="2000" dirty="0"/>
                     </a:p>
                   </a:txBody>
-                  <a:tcPr/>
+                  <a:tcPr anchor="ctr">
+                    <a:solidFill>
+                      <a:schemeClr val="bg2">
+                        <a:lumMod val="90000"/>
+                      </a:schemeClr>
+                    </a:solidFill>
+                  </a:tcPr>
                 </a:tc>
                 <a:extLst>
                   <a:ext uri="{0D108BD9-81ED-4DB2-BD59-A6C34878D82A}">
@@ -8314,6 +8936,36 @@
           </a:p>
         </p:txBody>
       </p:sp>
+      <p:pic>
+        <p:nvPicPr>
+          <p:cNvPr id="8" name="그림 7">
+            <a:extLst>
+              <a:ext uri="{FF2B5EF4-FFF2-40B4-BE49-F238E27FC236}">
+                <a16:creationId xmlns:a16="http://schemas.microsoft.com/office/drawing/2014/main" id="{1E82CE7D-6929-0D16-FDF7-7D76E8CB35BE}"/>
+              </a:ext>
+            </a:extLst>
+          </p:cNvPr>
+          <p:cNvPicPr>
+            <a:picLocks noChangeAspect="1"/>
+          </p:cNvPicPr>
+          <p:nvPr/>
+        </p:nvPicPr>
+        <p:blipFill>
+          <a:blip r:embed="rId5"/>
+          <a:stretch>
+            <a:fillRect/>
+          </a:stretch>
+        </p:blipFill>
+        <p:spPr>
+          <a:xfrm>
+            <a:off x="1434753" y="2986214"/>
+            <a:ext cx="4064253" cy="2280980"/>
+          </a:xfrm>
+          <a:prstGeom prst="rect">
+            <a:avLst/>
+          </a:prstGeom>
+        </p:spPr>
+      </p:pic>
     </p:spTree>
     <p:extLst>
       <p:ext uri="{BB962C8B-B14F-4D97-AF65-F5344CB8AC3E}">
@@ -8328,6 +8980,734 @@
 </file>
 
 <file path=ppt/slides/slide5.xml><?xml version="1.0" encoding="utf-8"?>
+<p:sld xmlns:a="http://schemas.openxmlformats.org/drawingml/2006/main" xmlns:r="http://schemas.openxmlformats.org/officeDocument/2006/relationships" xmlns:p="http://schemas.openxmlformats.org/presentationml/2006/main">
+  <p:cSld>
+    <p:spTree>
+      <p:nvGrpSpPr>
+        <p:cNvPr id="1" name=""/>
+        <p:cNvGrpSpPr/>
+        <p:nvPr/>
+      </p:nvGrpSpPr>
+      <p:grpSpPr>
+        <a:xfrm>
+          <a:off x="0" y="0"/>
+          <a:ext cx="0" cy="0"/>
+          <a:chOff x="0" y="0"/>
+          <a:chExt cx="0" cy="0"/>
+        </a:xfrm>
+      </p:grpSpPr>
+      <p:sp>
+        <p:nvSpPr>
+          <p:cNvPr id="2" name="제목 1">
+            <a:extLst>
+              <a:ext uri="{FF2B5EF4-FFF2-40B4-BE49-F238E27FC236}">
+                <a16:creationId xmlns:a16="http://schemas.microsoft.com/office/drawing/2014/main" id="{001BFE68-2077-DCE3-1A9C-13F10FABB88F}"/>
+              </a:ext>
+            </a:extLst>
+          </p:cNvPr>
+          <p:cNvSpPr>
+            <a:spLocks noGrp="1"/>
+          </p:cNvSpPr>
+          <p:nvPr>
+            <p:ph type="title"/>
+          </p:nvPr>
+        </p:nvSpPr>
+        <p:spPr>
+          <a:xfrm>
+            <a:off x="838200" y="584331"/>
+            <a:ext cx="10515600" cy="655746"/>
+          </a:xfrm>
+        </p:spPr>
+        <p:txBody>
+          <a:bodyPr>
+            <a:normAutofit/>
+          </a:bodyPr>
+          <a:lstStyle/>
+          <a:p>
+            <a:r>
+              <a:rPr lang="en-US" altLang="ko-KR" sz="3600" b="1" dirty="0"/>
+              <a:t>1. </a:t>
+            </a:r>
+            <a:r>
+              <a:rPr lang="ko-KR" altLang="en-US" sz="3600" b="1" dirty="0"/>
+              <a:t>게임 개요 </a:t>
+            </a:r>
+            <a:r>
+              <a:rPr lang="en-US" altLang="ko-KR" sz="3600" b="1" dirty="0"/>
+              <a:t>- </a:t>
+            </a:r>
+            <a:r>
+              <a:rPr lang="ko-KR" altLang="en-US" sz="3600" b="1" dirty="0"/>
+              <a:t>모티브</a:t>
+            </a:r>
+          </a:p>
+        </p:txBody>
+      </p:sp>
+      <p:sp>
+        <p:nvSpPr>
+          <p:cNvPr id="3" name="슬라이드 번호 개체 틀 2">
+            <a:extLst>
+              <a:ext uri="{FF2B5EF4-FFF2-40B4-BE49-F238E27FC236}">
+                <a16:creationId xmlns:a16="http://schemas.microsoft.com/office/drawing/2014/main" id="{BF41BB6F-F359-B22C-1C55-385AF485F6C7}"/>
+              </a:ext>
+            </a:extLst>
+          </p:cNvPr>
+          <p:cNvSpPr>
+            <a:spLocks noGrp="1"/>
+          </p:cNvSpPr>
+          <p:nvPr>
+            <p:ph type="sldNum" sz="quarter" idx="12"/>
+          </p:nvPr>
+        </p:nvSpPr>
+        <p:spPr>
+          <a:xfrm>
+            <a:off x="8610600" y="6035574"/>
+            <a:ext cx="2743200" cy="365125"/>
+          </a:xfrm>
+        </p:spPr>
+        <p:txBody>
+          <a:bodyPr/>
+          <a:lstStyle/>
+          <a:p>
+            <a:fld id="{70726F88-B4A8-48C6-AB78-E2ED032740CB}" type="slidenum">
+              <a:rPr lang="ko-KR" altLang="en-US" smtClean="0"/>
+              <a:t>5</a:t>
+            </a:fld>
+            <a:endParaRPr lang="ko-KR" altLang="en-US" dirty="0"/>
+          </a:p>
+        </p:txBody>
+      </p:sp>
+      <p:grpSp>
+        <p:nvGrpSpPr>
+          <p:cNvPr id="10" name="그룹 9">
+            <a:extLst>
+              <a:ext uri="{FF2B5EF4-FFF2-40B4-BE49-F238E27FC236}">
+                <a16:creationId xmlns:a16="http://schemas.microsoft.com/office/drawing/2014/main" id="{36E9429C-78F5-20F4-2F66-6FB555F99ED0}"/>
+              </a:ext>
+            </a:extLst>
+          </p:cNvPr>
+          <p:cNvGrpSpPr/>
+          <p:nvPr/>
+        </p:nvGrpSpPr>
+        <p:grpSpPr>
+          <a:xfrm>
+            <a:off x="11144511" y="584331"/>
+            <a:ext cx="418578" cy="494281"/>
+            <a:chOff x="10994695" y="955085"/>
+            <a:chExt cx="418578" cy="494281"/>
+          </a:xfrm>
+        </p:grpSpPr>
+        <p:pic>
+          <p:nvPicPr>
+            <p:cNvPr id="1026" name="Picture 2" descr="쓰레기통 - 무료 자연개 아이콘">
+              <a:extLst>
+                <a:ext uri="{FF2B5EF4-FFF2-40B4-BE49-F238E27FC236}">
+                  <a16:creationId xmlns:a16="http://schemas.microsoft.com/office/drawing/2014/main" id="{22AA4B1F-5741-0292-8EF6-A2FE8BBD576B}"/>
+                </a:ext>
+              </a:extLst>
+            </p:cNvPr>
+            <p:cNvPicPr>
+              <a:picLocks noChangeAspect="1" noChangeArrowheads="1"/>
+            </p:cNvPicPr>
+            <p:nvPr/>
+          </p:nvPicPr>
+          <p:blipFill>
+            <a:blip r:embed="rId3">
+              <a:extLst>
+                <a:ext uri="{28A0092B-C50C-407E-A947-70E740481C1C}">
+                  <a14:useLocalDpi xmlns:a14="http://schemas.microsoft.com/office/drawing/2010/main" val="0"/>
+                </a:ext>
+              </a:extLst>
+            </a:blip>
+            <a:srcRect/>
+            <a:stretch>
+              <a:fillRect/>
+            </a:stretch>
+          </p:blipFill>
+          <p:spPr bwMode="auto">
+            <a:xfrm>
+              <a:off x="10994695" y="1030788"/>
+              <a:ext cx="418578" cy="418578"/>
+            </a:xfrm>
+            <a:prstGeom prst="rect">
+              <a:avLst/>
+            </a:prstGeom>
+            <a:noFill/>
+            <a:extLst>
+              <a:ext uri="{909E8E84-426E-40DD-AFC4-6F175D3DCCD1}">
+                <a14:hiddenFill xmlns:a14="http://schemas.microsoft.com/office/drawing/2010/main">
+                  <a:solidFill>
+                    <a:srgbClr val="FFFFFF"/>
+                  </a:solidFill>
+                </a14:hiddenFill>
+              </a:ext>
+            </a:extLst>
+          </p:spPr>
+        </p:pic>
+        <p:pic>
+          <p:nvPicPr>
+            <p:cNvPr id="9" name="그림 8">
+              <a:extLst>
+                <a:ext uri="{FF2B5EF4-FFF2-40B4-BE49-F238E27FC236}">
+                  <a16:creationId xmlns:a16="http://schemas.microsoft.com/office/drawing/2014/main" id="{280B9EEB-AB3A-6D0A-699B-7FF6333D6DC3}"/>
+                </a:ext>
+              </a:extLst>
+            </p:cNvPr>
+            <p:cNvPicPr>
+              <a:picLocks noChangeAspect="1"/>
+            </p:cNvPicPr>
+            <p:nvPr/>
+          </p:nvPicPr>
+          <p:blipFill>
+            <a:blip r:embed="rId4">
+              <a:extLst>
+                <a:ext uri="{28A0092B-C50C-407E-A947-70E740481C1C}">
+                  <a14:useLocalDpi xmlns:a14="http://schemas.microsoft.com/office/drawing/2010/main" val="0"/>
+                </a:ext>
+              </a:extLst>
+            </a:blip>
+            <a:stretch>
+              <a:fillRect/>
+            </a:stretch>
+          </p:blipFill>
+          <p:spPr>
+            <a:xfrm>
+              <a:off x="11137650" y="955085"/>
+              <a:ext cx="191047" cy="191047"/>
+            </a:xfrm>
+            <a:prstGeom prst="rect">
+              <a:avLst/>
+            </a:prstGeom>
+          </p:spPr>
+        </p:pic>
+      </p:grpSp>
+      <p:cxnSp>
+        <p:nvCxnSpPr>
+          <p:cNvPr id="12" name="직선 연결선 11">
+            <a:extLst>
+              <a:ext uri="{FF2B5EF4-FFF2-40B4-BE49-F238E27FC236}">
+                <a16:creationId xmlns:a16="http://schemas.microsoft.com/office/drawing/2014/main" id="{BFA9A2B4-1579-1A3F-A000-692C3EF9E7A1}"/>
+              </a:ext>
+            </a:extLst>
+          </p:cNvPr>
+          <p:cNvCxnSpPr>
+            <a:cxnSpLocks/>
+          </p:cNvCxnSpPr>
+          <p:nvPr/>
+        </p:nvCxnSpPr>
+        <p:spPr>
+          <a:xfrm>
+            <a:off x="838200" y="1246475"/>
+            <a:ext cx="10773427" cy="0"/>
+          </a:xfrm>
+          <a:prstGeom prst="line">
+            <a:avLst/>
+          </a:prstGeom>
+          <a:ln w="28575">
+            <a:solidFill>
+              <a:schemeClr val="tx1"/>
+            </a:solidFill>
+          </a:ln>
+        </p:spPr>
+        <p:style>
+          <a:lnRef idx="1">
+            <a:schemeClr val="accent1"/>
+          </a:lnRef>
+          <a:fillRef idx="0">
+            <a:schemeClr val="accent1"/>
+          </a:fillRef>
+          <a:effectRef idx="0">
+            <a:schemeClr val="accent1"/>
+          </a:effectRef>
+          <a:fontRef idx="minor">
+            <a:schemeClr val="tx1"/>
+          </a:fontRef>
+        </p:style>
+      </p:cxnSp>
+      <p:sp>
+        <p:nvSpPr>
+          <p:cNvPr id="6" name="직사각형 5">
+            <a:extLst>
+              <a:ext uri="{FF2B5EF4-FFF2-40B4-BE49-F238E27FC236}">
+                <a16:creationId xmlns:a16="http://schemas.microsoft.com/office/drawing/2014/main" id="{E10ECFE6-0CFD-57B9-D9EE-C7A1F339C223}"/>
+              </a:ext>
+            </a:extLst>
+          </p:cNvPr>
+          <p:cNvSpPr/>
+          <p:nvPr/>
+        </p:nvSpPr>
+        <p:spPr>
+          <a:xfrm>
+            <a:off x="0" y="6562164"/>
+            <a:ext cx="12192000" cy="360000"/>
+          </a:xfrm>
+          <a:prstGeom prst="rect">
+            <a:avLst/>
+          </a:prstGeom>
+          <a:solidFill>
+            <a:srgbClr val="AFABAB"/>
+          </a:solidFill>
+          <a:ln>
+            <a:solidFill>
+              <a:srgbClr val="AFABAB"/>
+            </a:solidFill>
+          </a:ln>
+        </p:spPr>
+        <p:style>
+          <a:lnRef idx="2">
+            <a:schemeClr val="accent1">
+              <a:shade val="50000"/>
+            </a:schemeClr>
+          </a:lnRef>
+          <a:fillRef idx="1">
+            <a:schemeClr val="accent1"/>
+          </a:fillRef>
+          <a:effectRef idx="0">
+            <a:schemeClr val="accent1"/>
+          </a:effectRef>
+          <a:fontRef idx="minor">
+            <a:schemeClr val="lt1"/>
+          </a:fontRef>
+        </p:style>
+        <p:txBody>
+          <a:bodyPr rtlCol="0" anchor="ctr"/>
+          <a:lstStyle/>
+          <a:p>
+            <a:pPr algn="ctr"/>
+            <a:endParaRPr lang="ko-KR" altLang="en-US"/>
+          </a:p>
+        </p:txBody>
+      </p:sp>
+      <p:pic>
+        <p:nvPicPr>
+          <p:cNvPr id="8" name="Picture 2">
+            <a:extLst>
+              <a:ext uri="{FF2B5EF4-FFF2-40B4-BE49-F238E27FC236}">
+                <a16:creationId xmlns:a16="http://schemas.microsoft.com/office/drawing/2014/main" id="{F0410B0A-22B6-88FC-9818-70C5E221020F}"/>
+              </a:ext>
+            </a:extLst>
+          </p:cNvPr>
+          <p:cNvPicPr>
+            <a:picLocks noChangeAspect="1" noChangeArrowheads="1"/>
+          </p:cNvPicPr>
+          <p:nvPr/>
+        </p:nvPicPr>
+        <p:blipFill>
+          <a:blip r:embed="rId5">
+            <a:extLst>
+              <a:ext uri="{28A0092B-C50C-407E-A947-70E740481C1C}">
+                <a14:useLocalDpi xmlns:a14="http://schemas.microsoft.com/office/drawing/2010/main" val="0"/>
+              </a:ext>
+            </a:extLst>
+          </a:blip>
+          <a:srcRect/>
+          <a:stretch>
+            <a:fillRect/>
+          </a:stretch>
+        </p:blipFill>
+        <p:spPr bwMode="auto">
+          <a:xfrm>
+            <a:off x="2025303" y="1484333"/>
+            <a:ext cx="3581401" cy="2386212"/>
+          </a:xfrm>
+          <a:prstGeom prst="rect">
+            <a:avLst/>
+          </a:prstGeom>
+          <a:noFill/>
+          <a:extLst>
+            <a:ext uri="{909E8E84-426E-40DD-AFC4-6F175D3DCCD1}">
+              <a14:hiddenFill xmlns:a14="http://schemas.microsoft.com/office/drawing/2010/main">
+                <a:solidFill>
+                  <a:srgbClr val="FFFFFF"/>
+                </a:solidFill>
+              </a14:hiddenFill>
+            </a:ext>
+          </a:extLst>
+        </p:spPr>
+      </p:pic>
+      <p:pic>
+        <p:nvPicPr>
+          <p:cNvPr id="1028" name="Picture 4">
+            <a:extLst>
+              <a:ext uri="{FF2B5EF4-FFF2-40B4-BE49-F238E27FC236}">
+                <a16:creationId xmlns:a16="http://schemas.microsoft.com/office/drawing/2014/main" id="{8B88A2CD-2E4E-6AF9-8A1C-78BD3156D118}"/>
+              </a:ext>
+            </a:extLst>
+          </p:cNvPr>
+          <p:cNvPicPr>
+            <a:picLocks noChangeAspect="1" noChangeArrowheads="1"/>
+          </p:cNvPicPr>
+          <p:nvPr/>
+        </p:nvPicPr>
+        <p:blipFill>
+          <a:blip r:embed="rId6">
+            <a:extLst>
+              <a:ext uri="{28A0092B-C50C-407E-A947-70E740481C1C}">
+                <a14:useLocalDpi xmlns:a14="http://schemas.microsoft.com/office/drawing/2010/main" val="0"/>
+              </a:ext>
+            </a:extLst>
+          </a:blip>
+          <a:srcRect/>
+          <a:stretch>
+            <a:fillRect/>
+          </a:stretch>
+        </p:blipFill>
+        <p:spPr bwMode="auto">
+          <a:xfrm>
+            <a:off x="2025303" y="3931696"/>
+            <a:ext cx="3581401" cy="2010341"/>
+          </a:xfrm>
+          <a:prstGeom prst="rect">
+            <a:avLst/>
+          </a:prstGeom>
+          <a:noFill/>
+          <a:extLst>
+            <a:ext uri="{909E8E84-426E-40DD-AFC4-6F175D3DCCD1}">
+              <a14:hiddenFill xmlns:a14="http://schemas.microsoft.com/office/drawing/2010/main">
+                <a:solidFill>
+                  <a:srgbClr val="FFFFFF"/>
+                </a:solidFill>
+              </a14:hiddenFill>
+            </a:ext>
+          </a:extLst>
+        </p:spPr>
+      </p:pic>
+      <p:graphicFrame>
+        <p:nvGraphicFramePr>
+          <p:cNvPr id="13" name="표 5">
+            <a:extLst>
+              <a:ext uri="{FF2B5EF4-FFF2-40B4-BE49-F238E27FC236}">
+                <a16:creationId xmlns:a16="http://schemas.microsoft.com/office/drawing/2014/main" id="{AE3C675F-4EAA-B1F1-85E9-1684770F24BE}"/>
+              </a:ext>
+            </a:extLst>
+          </p:cNvPr>
+          <p:cNvGraphicFramePr>
+            <a:graphicFrameLocks noGrp="1"/>
+          </p:cNvGraphicFramePr>
+          <p:nvPr>
+            <p:extLst>
+              <p:ext uri="{D42A27DB-BD31-4B8C-83A1-F6EECF244321}">
+                <p14:modId xmlns:p14="http://schemas.microsoft.com/office/powerpoint/2010/main" val="3653510241"/>
+              </p:ext>
+            </p:extLst>
+          </p:nvPr>
+        </p:nvGraphicFramePr>
+        <p:xfrm>
+          <a:off x="6224913" y="2640592"/>
+          <a:ext cx="4538597" cy="2179723"/>
+        </p:xfrm>
+        <a:graphic>
+          <a:graphicData uri="http://schemas.openxmlformats.org/drawingml/2006/table">
+            <a:tbl>
+              <a:tblPr firstRow="1" bandRow="1">
+                <a:tableStyleId>{5C22544A-7EE6-4342-B048-85BDC9FD1C3A}</a:tableStyleId>
+              </a:tblPr>
+              <a:tblGrid>
+                <a:gridCol w="557484">
+                  <a:extLst>
+                    <a:ext uri="{9D8B030D-6E8A-4147-A177-3AD203B41FA5}">
+                      <a16:colId xmlns:a16="http://schemas.microsoft.com/office/drawing/2014/main" val="2555545524"/>
+                    </a:ext>
+                  </a:extLst>
+                </a:gridCol>
+                <a:gridCol w="3981113">
+                  <a:extLst>
+                    <a:ext uri="{9D8B030D-6E8A-4147-A177-3AD203B41FA5}">
+                      <a16:colId xmlns:a16="http://schemas.microsoft.com/office/drawing/2014/main" val="1359358058"/>
+                    </a:ext>
+                  </a:extLst>
+                </a:gridCol>
+              </a:tblGrid>
+              <a:tr h="375217">
+                <a:tc gridSpan="2">
+                  <a:txBody>
+                    <a:bodyPr/>
+                    <a:lstStyle/>
+                    <a:p>
+                      <a:pPr algn="ctr" latinLnBrk="1"/>
+                      <a:r>
+                        <a:rPr lang="ko-KR" altLang="en-US" sz="1600" dirty="0"/>
+                        <a:t>모티브 요소</a:t>
+                      </a:r>
+                      <a:endParaRPr lang="en-US" altLang="ko-KR" sz="1600" dirty="0"/>
+                    </a:p>
+                  </a:txBody>
+                  <a:tcPr marL="79941" marR="79941" marT="39970" marB="39970" anchor="ctr">
+                    <a:solidFill>
+                      <a:schemeClr val="bg1">
+                        <a:lumMod val="50000"/>
+                      </a:schemeClr>
+                    </a:solidFill>
+                  </a:tcPr>
+                </a:tc>
+                <a:tc hMerge="1">
+                  <a:txBody>
+                    <a:bodyPr/>
+                    <a:lstStyle/>
+                    <a:p>
+                      <a:pPr latinLnBrk="1"/>
+                      <a:r>
+                        <a:rPr lang="en-US" altLang="ko-KR" dirty="0"/>
+                        <a:t>Trashes</a:t>
+                      </a:r>
+                    </a:p>
+                  </a:txBody>
+                  <a:tcPr>
+                    <a:solidFill>
+                      <a:schemeClr val="bg1">
+                        <a:lumMod val="50000"/>
+                      </a:schemeClr>
+                    </a:solidFill>
+                  </a:tcPr>
+                </a:tc>
+                <a:extLst>
+                  <a:ext uri="{0D108BD9-81ED-4DB2-BD59-A6C34878D82A}">
+                    <a16:rowId xmlns:a16="http://schemas.microsoft.com/office/drawing/2014/main" val="2588391303"/>
+                  </a:ext>
+                </a:extLst>
+              </a:tr>
+              <a:tr h="601502">
+                <a:tc>
+                  <a:txBody>
+                    <a:bodyPr/>
+                    <a:lstStyle/>
+                    <a:p>
+                      <a:pPr algn="ctr" latinLnBrk="1"/>
+                      <a:r>
+                        <a:rPr lang="en-US" altLang="ko-KR" sz="1600" b="1" dirty="0">
+                          <a:solidFill>
+                            <a:schemeClr val="bg1"/>
+                          </a:solidFill>
+                        </a:rPr>
+                        <a:t>1</a:t>
+                      </a:r>
+                      <a:endParaRPr lang="ko-KR" altLang="en-US" sz="1600" b="1" dirty="0">
+                        <a:solidFill>
+                          <a:schemeClr val="bg1"/>
+                        </a:solidFill>
+                      </a:endParaRPr>
+                    </a:p>
+                  </a:txBody>
+                  <a:tcPr marL="79941" marR="79941" marT="39970" marB="39970" anchor="ctr">
+                    <a:solidFill>
+                      <a:schemeClr val="bg2">
+                        <a:lumMod val="75000"/>
+                      </a:schemeClr>
+                    </a:solidFill>
+                  </a:tcPr>
+                </a:tc>
+                <a:tc>
+                  <a:txBody>
+                    <a:bodyPr/>
+                    <a:lstStyle/>
+                    <a:p>
+                      <a:pPr algn="ctr" latinLnBrk="1"/>
+                      <a:r>
+                        <a:rPr lang="ko-KR" altLang="en-US" sz="1600" b="1" dirty="0" err="1"/>
+                        <a:t>데바데의</a:t>
+                      </a:r>
+                      <a:r>
+                        <a:rPr lang="ko-KR" altLang="en-US" sz="1600" b="1" dirty="0"/>
+                        <a:t> 생존자 탈출 요소 </a:t>
+                      </a:r>
+                    </a:p>
+                  </a:txBody>
+                  <a:tcPr marL="79941" marR="79941" marT="39970" marB="39970" anchor="ctr">
+                    <a:solidFill>
+                      <a:schemeClr val="bg2">
+                        <a:lumMod val="90000"/>
+                      </a:schemeClr>
+                    </a:solidFill>
+                  </a:tcPr>
+                </a:tc>
+                <a:extLst>
+                  <a:ext uri="{0D108BD9-81ED-4DB2-BD59-A6C34878D82A}">
+                    <a16:rowId xmlns:a16="http://schemas.microsoft.com/office/drawing/2014/main" val="2225471134"/>
+                  </a:ext>
+                </a:extLst>
+              </a:tr>
+              <a:tr h="601502">
+                <a:tc>
+                  <a:txBody>
+                    <a:bodyPr/>
+                    <a:lstStyle/>
+                    <a:p>
+                      <a:pPr algn="ctr" latinLnBrk="1"/>
+                      <a:r>
+                        <a:rPr lang="en-US" altLang="ko-KR" sz="1600" b="1" dirty="0">
+                          <a:solidFill>
+                            <a:schemeClr val="bg1"/>
+                          </a:solidFill>
+                        </a:rPr>
+                        <a:t>2</a:t>
+                      </a:r>
+                      <a:endParaRPr lang="ko-KR" altLang="en-US" sz="1600" b="1" dirty="0">
+                        <a:solidFill>
+                          <a:schemeClr val="bg1"/>
+                        </a:solidFill>
+                      </a:endParaRPr>
+                    </a:p>
+                  </a:txBody>
+                  <a:tcPr marL="79941" marR="79941" marT="39970" marB="39970" anchor="ctr">
+                    <a:solidFill>
+                      <a:schemeClr val="bg2">
+                        <a:lumMod val="75000"/>
+                      </a:schemeClr>
+                    </a:solidFill>
+                  </a:tcPr>
+                </a:tc>
+                <a:tc>
+                  <a:txBody>
+                    <a:bodyPr/>
+                    <a:lstStyle/>
+                    <a:p>
+                      <a:pPr algn="ctr" latinLnBrk="1"/>
+                      <a:r>
+                        <a:rPr lang="ko-KR" altLang="en-US" sz="1600" b="1" dirty="0" err="1"/>
+                        <a:t>크로노아크의</a:t>
+                      </a:r>
+                      <a:r>
+                        <a:rPr lang="ko-KR" altLang="en-US" sz="1600" b="1" dirty="0"/>
+                        <a:t> 레벨 디자인 요소</a:t>
+                      </a:r>
+                    </a:p>
+                  </a:txBody>
+                  <a:tcPr marL="79941" marR="79941" marT="39970" marB="39970" anchor="ctr">
+                    <a:solidFill>
+                      <a:schemeClr val="bg2">
+                        <a:lumMod val="90000"/>
+                      </a:schemeClr>
+                    </a:solidFill>
+                  </a:tcPr>
+                </a:tc>
+                <a:extLst>
+                  <a:ext uri="{0D108BD9-81ED-4DB2-BD59-A6C34878D82A}">
+                    <a16:rowId xmlns:a16="http://schemas.microsoft.com/office/drawing/2014/main" val="1972612988"/>
+                  </a:ext>
+                </a:extLst>
+              </a:tr>
+              <a:tr h="601502">
+                <a:tc>
+                  <a:txBody>
+                    <a:bodyPr/>
+                    <a:lstStyle/>
+                    <a:p>
+                      <a:pPr algn="ctr" latinLnBrk="1"/>
+                      <a:r>
+                        <a:rPr lang="en-US" altLang="ko-KR" sz="1600" b="1" dirty="0">
+                          <a:solidFill>
+                            <a:schemeClr val="bg1"/>
+                          </a:solidFill>
+                        </a:rPr>
+                        <a:t>3</a:t>
+                      </a:r>
+                      <a:endParaRPr lang="ko-KR" altLang="en-US" sz="1600" b="1" dirty="0">
+                        <a:solidFill>
+                          <a:schemeClr val="bg1"/>
+                        </a:solidFill>
+                      </a:endParaRPr>
+                    </a:p>
+                  </a:txBody>
+                  <a:tcPr marL="79941" marR="79941" marT="39970" marB="39970" anchor="ctr">
+                    <a:solidFill>
+                      <a:schemeClr val="bg2">
+                        <a:lumMod val="75000"/>
+                      </a:schemeClr>
+                    </a:solidFill>
+                  </a:tcPr>
+                </a:tc>
+                <a:tc>
+                  <a:txBody>
+                    <a:bodyPr/>
+                    <a:lstStyle/>
+                    <a:p>
+                      <a:pPr algn="ctr" latinLnBrk="1"/>
+                      <a:r>
+                        <a:rPr lang="ko-KR" altLang="en-US" sz="1600" b="1" dirty="0" err="1"/>
+                        <a:t>데바데의</a:t>
+                      </a:r>
+                      <a:r>
+                        <a:rPr lang="ko-KR" altLang="en-US" sz="1600" b="1" dirty="0"/>
+                        <a:t> 생존자 </a:t>
+                      </a:r>
+                      <a:r>
+                        <a:rPr lang="ko-KR" altLang="en-US" sz="1600" b="1" dirty="0" err="1"/>
+                        <a:t>스킬체크</a:t>
+                      </a:r>
+                      <a:r>
+                        <a:rPr lang="ko-KR" altLang="en-US" sz="1600" b="1" dirty="0"/>
+                        <a:t> 요소</a:t>
+                      </a:r>
+                    </a:p>
+                  </a:txBody>
+                  <a:tcPr marL="79941" marR="79941" marT="39970" marB="39970" anchor="ctr">
+                    <a:solidFill>
+                      <a:schemeClr val="bg2">
+                        <a:lumMod val="90000"/>
+                      </a:schemeClr>
+                    </a:solidFill>
+                  </a:tcPr>
+                </a:tc>
+                <a:extLst>
+                  <a:ext uri="{0D108BD9-81ED-4DB2-BD59-A6C34878D82A}">
+                    <a16:rowId xmlns:a16="http://schemas.microsoft.com/office/drawing/2014/main" val="131520432"/>
+                  </a:ext>
+                </a:extLst>
+              </a:tr>
+            </a:tbl>
+          </a:graphicData>
+        </a:graphic>
+      </p:graphicFrame>
+      <p:sp>
+        <p:nvSpPr>
+          <p:cNvPr id="14" name="TextBox 13">
+            <a:extLst>
+              <a:ext uri="{FF2B5EF4-FFF2-40B4-BE49-F238E27FC236}">
+                <a16:creationId xmlns:a16="http://schemas.microsoft.com/office/drawing/2014/main" id="{26F65228-FC1F-D4AF-E693-74DF73F7A105}"/>
+              </a:ext>
+            </a:extLst>
+          </p:cNvPr>
+          <p:cNvSpPr txBox="1"/>
+          <p:nvPr/>
+        </p:nvSpPr>
+        <p:spPr>
+          <a:xfrm>
+            <a:off x="3152123" y="5942037"/>
+            <a:ext cx="1327759" cy="369332"/>
+          </a:xfrm>
+          <a:prstGeom prst="rect">
+            <a:avLst/>
+          </a:prstGeom>
+          <a:noFill/>
+        </p:spPr>
+        <p:txBody>
+          <a:bodyPr wrap="square" rtlCol="0">
+            <a:spAutoFit/>
+          </a:bodyPr>
+          <a:lstStyle/>
+          <a:p>
+            <a:r>
+              <a:rPr lang="ko-KR" altLang="en-US"/>
+              <a:t>크로노아크</a:t>
+            </a:r>
+            <a:endParaRPr lang="ko-KR" altLang="en-US" dirty="0"/>
+          </a:p>
+        </p:txBody>
+      </p:sp>
+    </p:spTree>
+    <p:extLst>
+      <p:ext uri="{BB962C8B-B14F-4D97-AF65-F5344CB8AC3E}">
+        <p14:creationId xmlns:p14="http://schemas.microsoft.com/office/powerpoint/2010/main" val="3790937767"/>
+      </p:ext>
+    </p:extLst>
+  </p:cSld>
+  <p:clrMapOvr>
+    <a:masterClrMapping/>
+  </p:clrMapOvr>
+</p:sld>
+</file>
+
+<file path=ppt/slides/slide6.xml><?xml version="1.0" encoding="utf-8"?>
 <p:sld xmlns:a="http://schemas.openxmlformats.org/drawingml/2006/main" xmlns:r="http://schemas.openxmlformats.org/officeDocument/2006/relationships" xmlns:p="http://schemas.openxmlformats.org/presentationml/2006/main">
   <p:cSld>
     <p:spTree>
@@ -9385,7 +10765,7 @@
             <a:fld id="{70726F88-B4A8-48C6-AB78-E2ED032740CB}" type="slidenum">
               <a:rPr lang="ko-KR" altLang="en-US" smtClean="0"/>
               <a:pPr/>
-              <a:t>5</a:t>
+              <a:t>6</a:t>
             </a:fld>
             <a:endParaRPr lang="ko-KR" altLang="en-US" dirty="0"/>
           </a:p>
@@ -9458,7 +10838,7 @@
 </p:sld>
 </file>
 
-<file path=ppt/slides/slide6.xml><?xml version="1.0" encoding="utf-8"?>
+<file path=ppt/slides/slide7.xml><?xml version="1.0" encoding="utf-8"?>
 <p:sld xmlns:a="http://schemas.openxmlformats.org/drawingml/2006/main" xmlns:r="http://schemas.openxmlformats.org/officeDocument/2006/relationships" xmlns:p="http://schemas.openxmlformats.org/presentationml/2006/main">
   <p:cSld>
     <p:spTree>
@@ -9733,7 +11113,7 @@
           <a:p>
             <a:fld id="{70726F88-B4A8-48C6-AB78-E2ED032740CB}" type="slidenum">
               <a:rPr lang="ko-KR" altLang="en-US" smtClean="0"/>
-              <a:t>6</a:t>
+              <a:t>7</a:t>
             </a:fld>
             <a:endParaRPr lang="ko-KR" altLang="en-US" dirty="0"/>
           </a:p>
@@ -9806,7 +11186,7 @@
 </p:sld>
 </file>
 
-<file path=ppt/slides/slide7.xml><?xml version="1.0" encoding="utf-8"?>
+<file path=ppt/slides/slide8.xml><?xml version="1.0" encoding="utf-8"?>
 <p:sld xmlns:a="http://schemas.openxmlformats.org/drawingml/2006/main" xmlns:r="http://schemas.openxmlformats.org/officeDocument/2006/relationships" xmlns:p="http://schemas.openxmlformats.org/presentationml/2006/main">
   <p:cSld>
     <p:spTree>
@@ -10092,7 +11472,7 @@
           <a:p>
             <a:fld id="{70726F88-B4A8-48C6-AB78-E2ED032740CB}" type="slidenum">
               <a:rPr lang="ko-KR" altLang="en-US" smtClean="0"/>
-              <a:t>7</a:t>
+              <a:t>8</a:t>
             </a:fld>
             <a:endParaRPr lang="ko-KR" altLang="en-US" dirty="0"/>
           </a:p>
@@ -10169,7 +11549,7 @@
         <p:spPr>
           <a:xfrm>
             <a:off x="838200" y="1825623"/>
-            <a:ext cx="5700385" cy="4351338"/>
+            <a:ext cx="5700385" cy="1603375"/>
           </a:xfrm>
           <a:prstGeom prst="rect">
             <a:avLst/>
@@ -10349,10 +11729,14 @@
               <a:buNone/>
             </a:pPr>
             <a:r>
+              <a:rPr lang="ko-KR" altLang="en-US" sz="1800" b="1" dirty="0"/>
+              <a:t>죄수</a:t>
+            </a:r>
+            <a:r>
               <a:rPr lang="ko-KR" altLang="en-US" sz="1800" b="1" i="0" dirty="0">
                 <a:effectLst/>
               </a:rPr>
-              <a:t>수감자였던 나는 미친 과학자에게 납치되어 폐연구실에 갇히게 되었다</a:t>
+              <a:t>였던 나는 미친 과학자에게 납치되어 폐연구실에 갇히게 되었다</a:t>
             </a:r>
             <a:r>
               <a:rPr lang="en-US" altLang="ko-KR" sz="1800" b="1" i="0" dirty="0">
@@ -10392,6 +11776,238 @@
             </a:r>
             <a:r>
               <a:rPr lang="en-US" altLang="ko-KR" sz="1800" i="0" dirty="0">
+                <a:effectLst/>
+              </a:rPr>
+              <a:t>, </a:t>
+            </a:r>
+            <a:r>
+              <a:rPr lang="ko-KR" altLang="en-US" sz="1800" b="1" dirty="0"/>
+              <a:t>나</a:t>
+            </a:r>
+            <a:r>
+              <a:rPr lang="ko-KR" altLang="en-US" sz="1800" b="1" i="0" dirty="0">
+                <a:effectLst/>
+              </a:rPr>
+              <a:t>는 다른 죄수들보다 먼저 실험실을 탈출하여 자유를 얻어야 한다</a:t>
+            </a:r>
+            <a:r>
+              <a:rPr lang="en-US" altLang="ko-KR" sz="1800" b="1" i="0" dirty="0">
+                <a:effectLst/>
+              </a:rPr>
+              <a:t>.</a:t>
+            </a:r>
+            <a:endParaRPr lang="ko-KR" altLang="en-US" sz="1800" b="1" dirty="0"/>
+          </a:p>
+        </p:txBody>
+      </p:sp>
+      <p:sp>
+        <p:nvSpPr>
+          <p:cNvPr id="3" name="내용 개체 틀 2">
+            <a:extLst>
+              <a:ext uri="{FF2B5EF4-FFF2-40B4-BE49-F238E27FC236}">
+                <a16:creationId xmlns:a16="http://schemas.microsoft.com/office/drawing/2014/main" id="{E7DF4D84-99B2-6F6A-DF19-E3B433310D5E}"/>
+              </a:ext>
+            </a:extLst>
+          </p:cNvPr>
+          <p:cNvSpPr txBox="1">
+            <a:spLocks/>
+          </p:cNvSpPr>
+          <p:nvPr/>
+        </p:nvSpPr>
+        <p:spPr>
+          <a:xfrm>
+            <a:off x="838200" y="3578220"/>
+            <a:ext cx="5700385" cy="881044"/>
+          </a:xfrm>
+          <a:prstGeom prst="rect">
+            <a:avLst/>
+          </a:prstGeom>
+        </p:spPr>
+        <p:txBody>
+          <a:bodyPr vert="horz" lIns="91440" tIns="45720" rIns="91440" bIns="45720" rtlCol="0">
+            <a:normAutofit/>
+          </a:bodyPr>
+          <a:lstStyle>
+            <a:lvl1pPr marL="228600" indent="-228600" algn="l" defTabSz="914400" rtl="0" eaLnBrk="1" latinLnBrk="1" hangingPunct="1">
+              <a:lnSpc>
+                <a:spcPct val="90000"/>
+              </a:lnSpc>
+              <a:spcBef>
+                <a:spcPts val="1000"/>
+              </a:spcBef>
+              <a:buFont typeface="Arial" panose="020B0604020202020204" pitchFamily="34" charset="0"/>
+              <a:buChar char="•"/>
+              <a:defRPr sz="2800" kern="1200">
+                <a:solidFill>
+                  <a:schemeClr val="tx1"/>
+                </a:solidFill>
+                <a:latin typeface="+mn-lt"/>
+                <a:ea typeface="+mn-ea"/>
+                <a:cs typeface="+mn-cs"/>
+              </a:defRPr>
+            </a:lvl1pPr>
+            <a:lvl2pPr marL="685800" indent="-228600" algn="l" defTabSz="914400" rtl="0" eaLnBrk="1" latinLnBrk="1" hangingPunct="1">
+              <a:lnSpc>
+                <a:spcPct val="90000"/>
+              </a:lnSpc>
+              <a:spcBef>
+                <a:spcPts val="500"/>
+              </a:spcBef>
+              <a:buFont typeface="Arial" panose="020B0604020202020204" pitchFamily="34" charset="0"/>
+              <a:buChar char="•"/>
+              <a:defRPr sz="2400" kern="1200">
+                <a:solidFill>
+                  <a:schemeClr val="tx1"/>
+                </a:solidFill>
+                <a:latin typeface="+mn-lt"/>
+                <a:ea typeface="+mn-ea"/>
+                <a:cs typeface="+mn-cs"/>
+              </a:defRPr>
+            </a:lvl2pPr>
+            <a:lvl3pPr marL="1143000" indent="-228600" algn="l" defTabSz="914400" rtl="0" eaLnBrk="1" latinLnBrk="1" hangingPunct="1">
+              <a:lnSpc>
+                <a:spcPct val="90000"/>
+              </a:lnSpc>
+              <a:spcBef>
+                <a:spcPts val="500"/>
+              </a:spcBef>
+              <a:buFont typeface="Arial" panose="020B0604020202020204" pitchFamily="34" charset="0"/>
+              <a:buChar char="•"/>
+              <a:defRPr sz="2000" kern="1200">
+                <a:solidFill>
+                  <a:schemeClr val="tx1"/>
+                </a:solidFill>
+                <a:latin typeface="+mn-lt"/>
+                <a:ea typeface="+mn-ea"/>
+                <a:cs typeface="+mn-cs"/>
+              </a:defRPr>
+            </a:lvl3pPr>
+            <a:lvl4pPr marL="1600200" indent="-228600" algn="l" defTabSz="914400" rtl="0" eaLnBrk="1" latinLnBrk="1" hangingPunct="1">
+              <a:lnSpc>
+                <a:spcPct val="90000"/>
+              </a:lnSpc>
+              <a:spcBef>
+                <a:spcPts val="500"/>
+              </a:spcBef>
+              <a:buFont typeface="Arial" panose="020B0604020202020204" pitchFamily="34" charset="0"/>
+              <a:buChar char="•"/>
+              <a:defRPr sz="1800" kern="1200">
+                <a:solidFill>
+                  <a:schemeClr val="tx1"/>
+                </a:solidFill>
+                <a:latin typeface="+mn-lt"/>
+                <a:ea typeface="+mn-ea"/>
+                <a:cs typeface="+mn-cs"/>
+              </a:defRPr>
+            </a:lvl4pPr>
+            <a:lvl5pPr marL="2057400" indent="-228600" algn="l" defTabSz="914400" rtl="0" eaLnBrk="1" latinLnBrk="1" hangingPunct="1">
+              <a:lnSpc>
+                <a:spcPct val="90000"/>
+              </a:lnSpc>
+              <a:spcBef>
+                <a:spcPts val="500"/>
+              </a:spcBef>
+              <a:buFont typeface="Arial" panose="020B0604020202020204" pitchFamily="34" charset="0"/>
+              <a:buChar char="•"/>
+              <a:defRPr sz="1800" kern="1200">
+                <a:solidFill>
+                  <a:schemeClr val="tx1"/>
+                </a:solidFill>
+                <a:latin typeface="+mn-lt"/>
+                <a:ea typeface="+mn-ea"/>
+                <a:cs typeface="+mn-cs"/>
+              </a:defRPr>
+            </a:lvl5pPr>
+            <a:lvl6pPr marL="2514600" indent="-228600" algn="l" defTabSz="914400" rtl="0" eaLnBrk="1" latinLnBrk="1" hangingPunct="1">
+              <a:lnSpc>
+                <a:spcPct val="90000"/>
+              </a:lnSpc>
+              <a:spcBef>
+                <a:spcPts val="500"/>
+              </a:spcBef>
+              <a:buFont typeface="Arial" panose="020B0604020202020204" pitchFamily="34" charset="0"/>
+              <a:buChar char="•"/>
+              <a:defRPr sz="1800" kern="1200">
+                <a:solidFill>
+                  <a:schemeClr val="tx1"/>
+                </a:solidFill>
+                <a:latin typeface="+mn-lt"/>
+                <a:ea typeface="+mn-ea"/>
+                <a:cs typeface="+mn-cs"/>
+              </a:defRPr>
+            </a:lvl6pPr>
+            <a:lvl7pPr marL="2971800" indent="-228600" algn="l" defTabSz="914400" rtl="0" eaLnBrk="1" latinLnBrk="1" hangingPunct="1">
+              <a:lnSpc>
+                <a:spcPct val="90000"/>
+              </a:lnSpc>
+              <a:spcBef>
+                <a:spcPts val="500"/>
+              </a:spcBef>
+              <a:buFont typeface="Arial" panose="020B0604020202020204" pitchFamily="34" charset="0"/>
+              <a:buChar char="•"/>
+              <a:defRPr sz="1800" kern="1200">
+                <a:solidFill>
+                  <a:schemeClr val="tx1"/>
+                </a:solidFill>
+                <a:latin typeface="+mn-lt"/>
+                <a:ea typeface="+mn-ea"/>
+                <a:cs typeface="+mn-cs"/>
+              </a:defRPr>
+            </a:lvl7pPr>
+            <a:lvl8pPr marL="3429000" indent="-228600" algn="l" defTabSz="914400" rtl="0" eaLnBrk="1" latinLnBrk="1" hangingPunct="1">
+              <a:lnSpc>
+                <a:spcPct val="90000"/>
+              </a:lnSpc>
+              <a:spcBef>
+                <a:spcPts val="500"/>
+              </a:spcBef>
+              <a:buFont typeface="Arial" panose="020B0604020202020204" pitchFamily="34" charset="0"/>
+              <a:buChar char="•"/>
+              <a:defRPr sz="1800" kern="1200">
+                <a:solidFill>
+                  <a:schemeClr val="tx1"/>
+                </a:solidFill>
+                <a:latin typeface="+mn-lt"/>
+                <a:ea typeface="+mn-ea"/>
+                <a:cs typeface="+mn-cs"/>
+              </a:defRPr>
+            </a:lvl8pPr>
+            <a:lvl9pPr marL="3886200" indent="-228600" algn="l" defTabSz="914400" rtl="0" eaLnBrk="1" latinLnBrk="1" hangingPunct="1">
+              <a:lnSpc>
+                <a:spcPct val="90000"/>
+              </a:lnSpc>
+              <a:spcBef>
+                <a:spcPts val="500"/>
+              </a:spcBef>
+              <a:buFont typeface="Arial" panose="020B0604020202020204" pitchFamily="34" charset="0"/>
+              <a:buChar char="•"/>
+              <a:defRPr sz="1800" kern="1200">
+                <a:solidFill>
+                  <a:schemeClr val="tx1"/>
+                </a:solidFill>
+                <a:latin typeface="+mn-lt"/>
+                <a:ea typeface="+mn-ea"/>
+                <a:cs typeface="+mn-cs"/>
+              </a:defRPr>
+            </a:lvl9pPr>
+          </a:lstStyle>
+          <a:p>
+            <a:pPr marL="0" indent="0">
+              <a:buFont typeface="Arial" panose="020B0604020202020204" pitchFamily="34" charset="0"/>
+              <a:buNone/>
+            </a:pPr>
+            <a:r>
+              <a:rPr lang="ko-KR" altLang="en-US" sz="1800" b="1" dirty="0"/>
+              <a:t>죄수</a:t>
+            </a:r>
+            <a:r>
+              <a:rPr lang="ko-KR" altLang="en-US" sz="1800" b="1" i="0" dirty="0">
+                <a:effectLst/>
+              </a:rPr>
+              <a:t>였던 나와 다른 죄수들은 미친 과학자에게 납치되어 폐연구실에 갇히게 되었고</a:t>
+            </a:r>
+            <a:r>
+              <a:rPr lang="en-US" altLang="ko-KR" sz="1800" b="1" i="0" dirty="0">
                 <a:effectLst/>
               </a:rPr>
               <a:t>, </a:t>
@@ -10429,7 +12045,7 @@
 </p:sld>
 </file>
 
-<file path=ppt/slides/slide8.xml><?xml version="1.0" encoding="utf-8"?>
+<file path=ppt/slides/slide9.xml><?xml version="1.0" encoding="utf-8"?>
 <p:sld xmlns:a="http://schemas.openxmlformats.org/drawingml/2006/main" xmlns:r="http://schemas.openxmlformats.org/officeDocument/2006/relationships" xmlns:p="http://schemas.openxmlformats.org/presentationml/2006/main">
   <p:cSld>
     <p:spTree>
@@ -10715,7 +12331,7 @@
           <a:p>
             <a:fld id="{70726F88-B4A8-48C6-AB78-E2ED032740CB}" type="slidenum">
               <a:rPr lang="ko-KR" altLang="en-US" smtClean="0"/>
-              <a:t>8</a:t>
+              <a:t>9</a:t>
             </a:fld>
             <a:endParaRPr lang="ko-KR" altLang="en-US" dirty="0"/>
           </a:p>
@@ -10826,389 +12442,6 @@
     <p:extLst>
       <p:ext uri="{BB962C8B-B14F-4D97-AF65-F5344CB8AC3E}">
         <p14:creationId xmlns:p14="http://schemas.microsoft.com/office/powerpoint/2010/main" val="1270674767"/>
-      </p:ext>
-    </p:extLst>
-  </p:cSld>
-  <p:clrMapOvr>
-    <a:masterClrMapping/>
-  </p:clrMapOvr>
-</p:sld>
-</file>
-
-<file path=ppt/slides/slide9.xml><?xml version="1.0" encoding="utf-8"?>
-<p:sld xmlns:a="http://schemas.openxmlformats.org/drawingml/2006/main" xmlns:r="http://schemas.openxmlformats.org/officeDocument/2006/relationships" xmlns:p="http://schemas.openxmlformats.org/presentationml/2006/main">
-  <p:cSld>
-    <p:spTree>
-      <p:nvGrpSpPr>
-        <p:cNvPr id="1" name=""/>
-        <p:cNvGrpSpPr/>
-        <p:nvPr/>
-      </p:nvGrpSpPr>
-      <p:grpSpPr>
-        <a:xfrm>
-          <a:off x="0" y="0"/>
-          <a:ext cx="0" cy="0"/>
-          <a:chOff x="0" y="0"/>
-          <a:chExt cx="0" cy="0"/>
-        </a:xfrm>
-      </p:grpSpPr>
-      <p:sp>
-        <p:nvSpPr>
-          <p:cNvPr id="2" name="제목 1">
-            <a:extLst>
-              <a:ext uri="{FF2B5EF4-FFF2-40B4-BE49-F238E27FC236}">
-                <a16:creationId xmlns:a16="http://schemas.microsoft.com/office/drawing/2014/main" id="{001BFE68-2077-DCE3-1A9C-13F10FABB88F}"/>
-              </a:ext>
-            </a:extLst>
-          </p:cNvPr>
-          <p:cNvSpPr>
-            <a:spLocks noGrp="1"/>
-          </p:cNvSpPr>
-          <p:nvPr>
-            <p:ph type="title"/>
-          </p:nvPr>
-        </p:nvSpPr>
-        <p:spPr>
-          <a:xfrm>
-            <a:off x="838200" y="584331"/>
-            <a:ext cx="10515600" cy="655746"/>
-          </a:xfrm>
-        </p:spPr>
-        <p:txBody>
-          <a:bodyPr>
-            <a:normAutofit/>
-          </a:bodyPr>
-          <a:lstStyle/>
-          <a:p>
-            <a:r>
-              <a:rPr lang="en-US" altLang="ko-KR" sz="3600" b="1" dirty="0"/>
-              <a:t>4. </a:t>
-            </a:r>
-            <a:r>
-              <a:rPr lang="ko-KR" altLang="en-US" sz="3600" b="1" dirty="0"/>
-              <a:t>개발 진행 </a:t>
-            </a:r>
-            <a:r>
-              <a:rPr lang="en-US" altLang="ko-KR" sz="3600" b="1" dirty="0"/>
-              <a:t>- </a:t>
-            </a:r>
-            <a:r>
-              <a:rPr lang="ko-KR" altLang="en-US" sz="3600" b="1" dirty="0"/>
-              <a:t>개발 일정</a:t>
-            </a:r>
-          </a:p>
-        </p:txBody>
-      </p:sp>
-      <p:pic>
-        <p:nvPicPr>
-          <p:cNvPr id="4" name="그림 3">
-            <a:extLst>
-              <a:ext uri="{FF2B5EF4-FFF2-40B4-BE49-F238E27FC236}">
-                <a16:creationId xmlns:a16="http://schemas.microsoft.com/office/drawing/2014/main" id="{745A062A-2D84-9FD7-DF9D-AF9EA20234A2}"/>
-              </a:ext>
-            </a:extLst>
-          </p:cNvPr>
-          <p:cNvPicPr>
-            <a:picLocks noChangeAspect="1"/>
-          </p:cNvPicPr>
-          <p:nvPr/>
-        </p:nvPicPr>
-        <p:blipFill>
-          <a:blip r:embed="rId3"/>
-          <a:stretch>
-            <a:fillRect/>
-          </a:stretch>
-        </p:blipFill>
-        <p:spPr>
-          <a:xfrm>
-            <a:off x="966070" y="1372288"/>
-            <a:ext cx="10259860" cy="4522522"/>
-          </a:xfrm>
-          <a:prstGeom prst="rect">
-            <a:avLst/>
-          </a:prstGeom>
-        </p:spPr>
-      </p:pic>
-      <p:sp>
-        <p:nvSpPr>
-          <p:cNvPr id="6" name="TextBox 5">
-            <a:extLst>
-              <a:ext uri="{FF2B5EF4-FFF2-40B4-BE49-F238E27FC236}">
-                <a16:creationId xmlns:a16="http://schemas.microsoft.com/office/drawing/2014/main" id="{1EDE7DF1-9C29-AA0B-1EC6-4B6BFD1689A6}"/>
-              </a:ext>
-            </a:extLst>
-          </p:cNvPr>
-          <p:cNvSpPr txBox="1"/>
-          <p:nvPr/>
-        </p:nvSpPr>
-        <p:spPr>
-          <a:xfrm>
-            <a:off x="2804525" y="6020622"/>
-            <a:ext cx="6840776" cy="246221"/>
-          </a:xfrm>
-          <a:prstGeom prst="rect">
-            <a:avLst/>
-          </a:prstGeom>
-          <a:noFill/>
-        </p:spPr>
-        <p:txBody>
-          <a:bodyPr wrap="square">
-            <a:spAutoFit/>
-          </a:bodyPr>
-          <a:lstStyle/>
-          <a:p>
-            <a:r>
-              <a:rPr lang="ko-KR" altLang="en-US" sz="1000" dirty="0">
-                <a:hlinkClick r:id="rId4"/>
-              </a:rPr>
-              <a:t>https://docs.google.com/spreadsheets/d/1GVk9FKL1ex23iV6LuaZ_WNIyOAtun5E0q-XaovTURLk/edit?usp=share_link</a:t>
-            </a:r>
-            <a:r>
-              <a:rPr lang="ko-KR" altLang="en-US" sz="1000" dirty="0"/>
-              <a:t> </a:t>
-            </a:r>
-          </a:p>
-        </p:txBody>
-      </p:sp>
-      <p:grpSp>
-        <p:nvGrpSpPr>
-          <p:cNvPr id="5" name="그룹 4">
-            <a:extLst>
-              <a:ext uri="{FF2B5EF4-FFF2-40B4-BE49-F238E27FC236}">
-                <a16:creationId xmlns:a16="http://schemas.microsoft.com/office/drawing/2014/main" id="{6DD7DBA9-3445-5B07-7D1F-788ECD498CC1}"/>
-              </a:ext>
-            </a:extLst>
-          </p:cNvPr>
-          <p:cNvGrpSpPr/>
-          <p:nvPr/>
-        </p:nvGrpSpPr>
-        <p:grpSpPr>
-          <a:xfrm>
-            <a:off x="11144511" y="584331"/>
-            <a:ext cx="418578" cy="494281"/>
-            <a:chOff x="10994695" y="955085"/>
-            <a:chExt cx="418578" cy="494281"/>
-          </a:xfrm>
-        </p:grpSpPr>
-        <p:pic>
-          <p:nvPicPr>
-            <p:cNvPr id="8" name="Picture 2" descr="쓰레기통 - 무료 자연개 아이콘">
-              <a:extLst>
-                <a:ext uri="{FF2B5EF4-FFF2-40B4-BE49-F238E27FC236}">
-                  <a16:creationId xmlns:a16="http://schemas.microsoft.com/office/drawing/2014/main" id="{EC235512-CC74-94BF-B30C-6EAB162618EE}"/>
-                </a:ext>
-              </a:extLst>
-            </p:cNvPr>
-            <p:cNvPicPr>
-              <a:picLocks noChangeAspect="1" noChangeArrowheads="1"/>
-            </p:cNvPicPr>
-            <p:nvPr/>
-          </p:nvPicPr>
-          <p:blipFill>
-            <a:blip r:embed="rId5">
-              <a:extLst>
-                <a:ext uri="{28A0092B-C50C-407E-A947-70E740481C1C}">
-                  <a14:useLocalDpi xmlns:a14="http://schemas.microsoft.com/office/drawing/2010/main" val="0"/>
-                </a:ext>
-              </a:extLst>
-            </a:blip>
-            <a:srcRect/>
-            <a:stretch>
-              <a:fillRect/>
-            </a:stretch>
-          </p:blipFill>
-          <p:spPr bwMode="auto">
-            <a:xfrm>
-              <a:off x="10994695" y="1030788"/>
-              <a:ext cx="418578" cy="418578"/>
-            </a:xfrm>
-            <a:prstGeom prst="rect">
-              <a:avLst/>
-            </a:prstGeom>
-            <a:noFill/>
-            <a:extLst>
-              <a:ext uri="{909E8E84-426E-40DD-AFC4-6F175D3DCCD1}">
-                <a14:hiddenFill xmlns:a14="http://schemas.microsoft.com/office/drawing/2010/main">
-                  <a:solidFill>
-                    <a:srgbClr val="FFFFFF"/>
-                  </a:solidFill>
-                </a14:hiddenFill>
-              </a:ext>
-            </a:extLst>
-          </p:spPr>
-        </p:pic>
-        <p:pic>
-          <p:nvPicPr>
-            <p:cNvPr id="9" name="그림 8">
-              <a:extLst>
-                <a:ext uri="{FF2B5EF4-FFF2-40B4-BE49-F238E27FC236}">
-                  <a16:creationId xmlns:a16="http://schemas.microsoft.com/office/drawing/2014/main" id="{93062261-5589-FEAA-4B5A-97842EE0AF95}"/>
-                </a:ext>
-              </a:extLst>
-            </p:cNvPr>
-            <p:cNvPicPr>
-              <a:picLocks noChangeAspect="1"/>
-            </p:cNvPicPr>
-            <p:nvPr/>
-          </p:nvPicPr>
-          <p:blipFill>
-            <a:blip r:embed="rId6">
-              <a:extLst>
-                <a:ext uri="{28A0092B-C50C-407E-A947-70E740481C1C}">
-                  <a14:useLocalDpi xmlns:a14="http://schemas.microsoft.com/office/drawing/2010/main" val="0"/>
-                </a:ext>
-              </a:extLst>
-            </a:blip>
-            <a:stretch>
-              <a:fillRect/>
-            </a:stretch>
-          </p:blipFill>
-          <p:spPr>
-            <a:xfrm>
-              <a:off x="11137650" y="955085"/>
-              <a:ext cx="191047" cy="191047"/>
-            </a:xfrm>
-            <a:prstGeom prst="rect">
-              <a:avLst/>
-            </a:prstGeom>
-          </p:spPr>
-        </p:pic>
-      </p:grpSp>
-      <p:cxnSp>
-        <p:nvCxnSpPr>
-          <p:cNvPr id="10" name="직선 연결선 9">
-            <a:extLst>
-              <a:ext uri="{FF2B5EF4-FFF2-40B4-BE49-F238E27FC236}">
-                <a16:creationId xmlns:a16="http://schemas.microsoft.com/office/drawing/2014/main" id="{600FDB72-CC92-85E0-EF1F-1A0CCFEBD82B}"/>
-              </a:ext>
-            </a:extLst>
-          </p:cNvPr>
-          <p:cNvCxnSpPr>
-            <a:cxnSpLocks/>
-          </p:cNvCxnSpPr>
-          <p:nvPr/>
-        </p:nvCxnSpPr>
-        <p:spPr>
-          <a:xfrm>
-            <a:off x="838200" y="1246475"/>
-            <a:ext cx="10773427" cy="0"/>
-          </a:xfrm>
-          <a:prstGeom prst="line">
-            <a:avLst/>
-          </a:prstGeom>
-          <a:ln w="28575">
-            <a:solidFill>
-              <a:schemeClr val="tx1"/>
-            </a:solidFill>
-          </a:ln>
-        </p:spPr>
-        <p:style>
-          <a:lnRef idx="1">
-            <a:schemeClr val="accent1"/>
-          </a:lnRef>
-          <a:fillRef idx="0">
-            <a:schemeClr val="accent1"/>
-          </a:fillRef>
-          <a:effectRef idx="0">
-            <a:schemeClr val="accent1"/>
-          </a:effectRef>
-          <a:fontRef idx="minor">
-            <a:schemeClr val="tx1"/>
-          </a:fontRef>
-        </p:style>
-      </p:cxnSp>
-      <p:sp>
-        <p:nvSpPr>
-          <p:cNvPr id="3" name="슬라이드 번호 개체 틀 2">
-            <a:extLst>
-              <a:ext uri="{FF2B5EF4-FFF2-40B4-BE49-F238E27FC236}">
-                <a16:creationId xmlns:a16="http://schemas.microsoft.com/office/drawing/2014/main" id="{F22BE82A-7C3B-8FA2-76A9-8AA9B50F1C76}"/>
-              </a:ext>
-            </a:extLst>
-          </p:cNvPr>
-          <p:cNvSpPr>
-            <a:spLocks noGrp="1"/>
-          </p:cNvSpPr>
-          <p:nvPr>
-            <p:ph type="sldNum" sz="quarter" idx="12"/>
-          </p:nvPr>
-        </p:nvSpPr>
-        <p:spPr>
-          <a:xfrm>
-            <a:off x="8610600" y="6035574"/>
-            <a:ext cx="2743200" cy="365125"/>
-          </a:xfrm>
-        </p:spPr>
-        <p:txBody>
-          <a:bodyPr/>
-          <a:lstStyle/>
-          <a:p>
-            <a:fld id="{70726F88-B4A8-48C6-AB78-E2ED032740CB}" type="slidenum">
-              <a:rPr lang="ko-KR" altLang="en-US" smtClean="0"/>
-              <a:t>9</a:t>
-            </a:fld>
-            <a:endParaRPr lang="ko-KR" altLang="en-US" dirty="0"/>
-          </a:p>
-        </p:txBody>
-      </p:sp>
-      <p:sp>
-        <p:nvSpPr>
-          <p:cNvPr id="11" name="직사각형 10">
-            <a:extLst>
-              <a:ext uri="{FF2B5EF4-FFF2-40B4-BE49-F238E27FC236}">
-                <a16:creationId xmlns:a16="http://schemas.microsoft.com/office/drawing/2014/main" id="{ACD897B3-94C5-80E8-DD2A-A1516F87A8BB}"/>
-              </a:ext>
-            </a:extLst>
-          </p:cNvPr>
-          <p:cNvSpPr/>
-          <p:nvPr/>
-        </p:nvSpPr>
-        <p:spPr>
-          <a:xfrm>
-            <a:off x="0" y="6562164"/>
-            <a:ext cx="12192000" cy="360000"/>
-          </a:xfrm>
-          <a:prstGeom prst="rect">
-            <a:avLst/>
-          </a:prstGeom>
-          <a:solidFill>
-            <a:srgbClr val="AFABAB"/>
-          </a:solidFill>
-          <a:ln>
-            <a:solidFill>
-              <a:srgbClr val="AFABAB"/>
-            </a:solidFill>
-          </a:ln>
-        </p:spPr>
-        <p:style>
-          <a:lnRef idx="2">
-            <a:schemeClr val="accent1">
-              <a:shade val="50000"/>
-            </a:schemeClr>
-          </a:lnRef>
-          <a:fillRef idx="1">
-            <a:schemeClr val="accent1"/>
-          </a:fillRef>
-          <a:effectRef idx="0">
-            <a:schemeClr val="accent1"/>
-          </a:effectRef>
-          <a:fontRef idx="minor">
-            <a:schemeClr val="lt1"/>
-          </a:fontRef>
-        </p:style>
-        <p:txBody>
-          <a:bodyPr rtlCol="0" anchor="ctr"/>
-          <a:lstStyle/>
-          <a:p>
-            <a:pPr algn="ctr"/>
-            <a:endParaRPr lang="ko-KR" altLang="en-US"/>
-          </a:p>
-        </p:txBody>
-      </p:sp>
-    </p:spTree>
-    <p:extLst>
-      <p:ext uri="{BB962C8B-B14F-4D97-AF65-F5344CB8AC3E}">
-        <p14:creationId xmlns:p14="http://schemas.microsoft.com/office/powerpoint/2010/main" val="1939486521"/>
       </p:ext>
     </p:extLst>
   </p:cSld>

--- a/기획/Trashes_메인기획서.pptx
+++ b/기획/Trashes_메인기획서.pptx
@@ -2129,7 +2129,7 @@
           <a:p>
             <a:fld id="{F76D9835-BA3B-4420-A893-4C31B35BFF4D}" type="datetimeFigureOut">
               <a:rPr lang="ko-KR" altLang="en-US" smtClean="0"/>
-              <a:t>2023-04-29</a:t>
+              <a:t>2023-04-30</a:t>
             </a:fld>
             <a:endParaRPr lang="ko-KR" altLang="en-US"/>
           </a:p>
@@ -3130,7 +3130,7 @@
           <a:p>
             <a:fld id="{7181344A-7A63-402B-90BB-7821DC874E55}" type="datetime1">
               <a:rPr lang="ko-KR" altLang="en-US" smtClean="0"/>
-              <a:t>2023-04-29</a:t>
+              <a:t>2023-04-30</a:t>
             </a:fld>
             <a:endParaRPr lang="ko-KR" altLang="en-US"/>
           </a:p>
@@ -3328,7 +3328,7 @@
           <a:p>
             <a:fld id="{8F983EF2-0B73-459E-B093-8CC99A4C4A80}" type="datetime1">
               <a:rPr lang="ko-KR" altLang="en-US" smtClean="0"/>
-              <a:t>2023-04-29</a:t>
+              <a:t>2023-04-30</a:t>
             </a:fld>
             <a:endParaRPr lang="ko-KR" altLang="en-US"/>
           </a:p>
@@ -3536,7 +3536,7 @@
           <a:p>
             <a:fld id="{86FCE869-CFC9-4CC4-87BC-6890FBA73061}" type="datetime1">
               <a:rPr lang="ko-KR" altLang="en-US" smtClean="0"/>
-              <a:t>2023-04-29</a:t>
+              <a:t>2023-04-30</a:t>
             </a:fld>
             <a:endParaRPr lang="ko-KR" altLang="en-US"/>
           </a:p>
@@ -3734,7 +3734,7 @@
           <a:p>
             <a:fld id="{9E9F8EC8-5D7A-4764-BFDE-9976F82EFAB7}" type="datetime1">
               <a:rPr lang="ko-KR" altLang="en-US" smtClean="0"/>
-              <a:t>2023-04-29</a:t>
+              <a:t>2023-04-30</a:t>
             </a:fld>
             <a:endParaRPr lang="ko-KR" altLang="en-US"/>
           </a:p>
@@ -4009,7 +4009,7 @@
           <a:p>
             <a:fld id="{AF7A7BE0-6502-467D-8AAF-E52B71B215DC}" type="datetime1">
               <a:rPr lang="ko-KR" altLang="en-US" smtClean="0"/>
-              <a:t>2023-04-29</a:t>
+              <a:t>2023-04-30</a:t>
             </a:fld>
             <a:endParaRPr lang="ko-KR" altLang="en-US"/>
           </a:p>
@@ -4274,7 +4274,7 @@
           <a:p>
             <a:fld id="{61C2D3F6-D5E1-4427-A632-FCDD03BEE52C}" type="datetime1">
               <a:rPr lang="ko-KR" altLang="en-US" smtClean="0"/>
-              <a:t>2023-04-29</a:t>
+              <a:t>2023-04-30</a:t>
             </a:fld>
             <a:endParaRPr lang="ko-KR" altLang="en-US"/>
           </a:p>
@@ -4686,7 +4686,7 @@
           <a:p>
             <a:fld id="{875AD41B-9585-459F-8521-7BF39A41AC41}" type="datetime1">
               <a:rPr lang="ko-KR" altLang="en-US" smtClean="0"/>
-              <a:t>2023-04-29</a:t>
+              <a:t>2023-04-30</a:t>
             </a:fld>
             <a:endParaRPr lang="ko-KR" altLang="en-US"/>
           </a:p>
@@ -4827,7 +4827,7 @@
           <a:p>
             <a:fld id="{367ED9D7-1D93-48E8-9580-5AE9DA18C7DE}" type="datetime1">
               <a:rPr lang="ko-KR" altLang="en-US" smtClean="0"/>
-              <a:t>2023-04-29</a:t>
+              <a:t>2023-04-30</a:t>
             </a:fld>
             <a:endParaRPr lang="ko-KR" altLang="en-US"/>
           </a:p>
@@ -4940,7 +4940,7 @@
           <a:p>
             <a:fld id="{059CE343-FDB8-4080-A3FF-853898A6821E}" type="datetime1">
               <a:rPr lang="ko-KR" altLang="en-US" smtClean="0"/>
-              <a:t>2023-04-29</a:t>
+              <a:t>2023-04-30</a:t>
             </a:fld>
             <a:endParaRPr lang="ko-KR" altLang="en-US"/>
           </a:p>
@@ -5251,7 +5251,7 @@
           <a:p>
             <a:fld id="{2038A520-3EDA-4B88-A72B-A0D5FEB2A798}" type="datetime1">
               <a:rPr lang="ko-KR" altLang="en-US" smtClean="0"/>
-              <a:t>2023-04-29</a:t>
+              <a:t>2023-04-30</a:t>
             </a:fld>
             <a:endParaRPr lang="ko-KR" altLang="en-US"/>
           </a:p>
@@ -5539,7 +5539,7 @@
           <a:p>
             <a:fld id="{A40E8810-3872-4F10-A5B6-5BF116CC7729}" type="datetime1">
               <a:rPr lang="ko-KR" altLang="en-US" smtClean="0"/>
-              <a:t>2023-04-29</a:t>
+              <a:t>2023-04-30</a:t>
             </a:fld>
             <a:endParaRPr lang="ko-KR" altLang="en-US"/>
           </a:p>
@@ -5780,7 +5780,7 @@
           <a:p>
             <a:fld id="{55E5995F-F0E9-4D07-B15B-18DDB1EE9E93}" type="datetime1">
               <a:rPr lang="ko-KR" altLang="en-US" smtClean="0"/>
-              <a:t>2023-04-29</a:t>
+              <a:t>2023-04-30</a:t>
             </a:fld>
             <a:endParaRPr lang="ko-KR" altLang="en-US"/>
           </a:p>
@@ -6372,47 +6372,6 @@
           </a:p>
         </p:txBody>
       </p:sp>
-      <p:sp>
-        <p:nvSpPr>
-          <p:cNvPr id="6" name="TextBox 5">
-            <a:extLst>
-              <a:ext uri="{FF2B5EF4-FFF2-40B4-BE49-F238E27FC236}">
-                <a16:creationId xmlns:a16="http://schemas.microsoft.com/office/drawing/2014/main" id="{1EDE7DF1-9C29-AA0B-1EC6-4B6BFD1689A6}"/>
-              </a:ext>
-            </a:extLst>
-          </p:cNvPr>
-          <p:cNvSpPr txBox="1"/>
-          <p:nvPr/>
-        </p:nvSpPr>
-        <p:spPr>
-          <a:xfrm>
-            <a:off x="2804525" y="6020622"/>
-            <a:ext cx="6840776" cy="246221"/>
-          </a:xfrm>
-          <a:prstGeom prst="rect">
-            <a:avLst/>
-          </a:prstGeom>
-          <a:noFill/>
-        </p:spPr>
-        <p:txBody>
-          <a:bodyPr wrap="square">
-            <a:spAutoFit/>
-          </a:bodyPr>
-          <a:lstStyle/>
-          <a:p>
-            <a:r>
-              <a:rPr lang="ko-KR" altLang="en-US" sz="1000" dirty="0">
-                <a:hlinkClick r:id="rId3"/>
-              </a:rPr>
-              <a:t>https://docs.google.com/spreadsheets/d/1GVk9FKL1ex23iV6LuaZ_WNIyOAtun5E0q-XaovTURLk/edit?usp=share_link</a:t>
-            </a:r>
-            <a:r>
-              <a:rPr lang="ko-KR" altLang="en-US" sz="1000" dirty="0"/>
-              <a:t> </a:t>
-            </a:r>
-          </a:p>
-        </p:txBody>
-      </p:sp>
       <p:grpSp>
         <p:nvGrpSpPr>
           <p:cNvPr id="5" name="그룹 4">
@@ -6448,7 +6407,7 @@
             <p:nvPr/>
           </p:nvPicPr>
           <p:blipFill>
-            <a:blip r:embed="rId4">
+            <a:blip r:embed="rId3">
               <a:extLst>
                 <a:ext uri="{28A0092B-C50C-407E-A947-70E740481C1C}">
                   <a14:useLocalDpi xmlns:a14="http://schemas.microsoft.com/office/drawing/2010/main" val="0"/>
@@ -6495,7 +6454,7 @@
             <p:nvPr/>
           </p:nvPicPr>
           <p:blipFill>
-            <a:blip r:embed="rId5">
+            <a:blip r:embed="rId4">
               <a:extLst>
                 <a:ext uri="{28A0092B-C50C-407E-A947-70E740481C1C}">
                   <a14:useLocalDpi xmlns:a14="http://schemas.microsoft.com/office/drawing/2010/main" val="0"/>
@@ -6648,36 +6607,307 @@
           </a:p>
         </p:txBody>
       </p:sp>
-      <p:pic>
-        <p:nvPicPr>
-          <p:cNvPr id="12" name="그림 11">
-            <a:extLst>
-              <a:ext uri="{FF2B5EF4-FFF2-40B4-BE49-F238E27FC236}">
-                <a16:creationId xmlns:a16="http://schemas.microsoft.com/office/drawing/2014/main" id="{5279B80C-B9AE-C39A-3973-D97CB3D2D8AD}"/>
-              </a:ext>
-            </a:extLst>
-          </p:cNvPr>
-          <p:cNvPicPr>
-            <a:picLocks noChangeAspect="1"/>
-          </p:cNvPicPr>
-          <p:nvPr/>
-        </p:nvPicPr>
-        <p:blipFill>
-          <a:blip r:embed="rId6"/>
-          <a:stretch>
-            <a:fillRect/>
-          </a:stretch>
-        </p:blipFill>
-        <p:spPr>
-          <a:xfrm>
-            <a:off x="1366534" y="1385567"/>
-            <a:ext cx="9458932" cy="4086865"/>
-          </a:xfrm>
-          <a:prstGeom prst="rect">
-            <a:avLst/>
-          </a:prstGeom>
-        </p:spPr>
-      </p:pic>
+      <p:graphicFrame>
+        <p:nvGraphicFramePr>
+          <p:cNvPr id="4" name="표 6">
+            <a:extLst>
+              <a:ext uri="{FF2B5EF4-FFF2-40B4-BE49-F238E27FC236}">
+                <a16:creationId xmlns:a16="http://schemas.microsoft.com/office/drawing/2014/main" id="{C98E4388-16AE-F91E-9FB4-E5FDDE2DEA11}"/>
+              </a:ext>
+            </a:extLst>
+          </p:cNvPr>
+          <p:cNvGraphicFramePr>
+            <a:graphicFrameLocks noGrp="1"/>
+          </p:cNvGraphicFramePr>
+          <p:nvPr>
+            <p:extLst>
+              <p:ext uri="{D42A27DB-BD31-4B8C-83A1-F6EECF244321}">
+                <p14:modId xmlns:p14="http://schemas.microsoft.com/office/powerpoint/2010/main" val="3361308742"/>
+              </p:ext>
+            </p:extLst>
+          </p:nvPr>
+        </p:nvGraphicFramePr>
+        <p:xfrm>
+          <a:off x="3504644" y="2437926"/>
+          <a:ext cx="5440538" cy="1873210"/>
+        </p:xfrm>
+        <a:graphic>
+          <a:graphicData uri="http://schemas.openxmlformats.org/drawingml/2006/table">
+            <a:tbl>
+              <a:tblPr firstRow="1" bandRow="1">
+                <a:tableStyleId>{5C22544A-7EE6-4342-B048-85BDC9FD1C3A}</a:tableStyleId>
+              </a:tblPr>
+              <a:tblGrid>
+                <a:gridCol w="1568767">
+                  <a:extLst>
+                    <a:ext uri="{9D8B030D-6E8A-4147-A177-3AD203B41FA5}">
+                      <a16:colId xmlns:a16="http://schemas.microsoft.com/office/drawing/2014/main" val="3269214211"/>
+                    </a:ext>
+                  </a:extLst>
+                </a:gridCol>
+                <a:gridCol w="3871771">
+                  <a:extLst>
+                    <a:ext uri="{9D8B030D-6E8A-4147-A177-3AD203B41FA5}">
+                      <a16:colId xmlns:a16="http://schemas.microsoft.com/office/drawing/2014/main" val="1444519881"/>
+                    </a:ext>
+                  </a:extLst>
+                </a:gridCol>
+              </a:tblGrid>
+              <a:tr h="374642">
+                <a:tc>
+                  <a:txBody>
+                    <a:bodyPr/>
+                    <a:lstStyle/>
+                    <a:p>
+                      <a:pPr algn="ctr" latinLnBrk="1"/>
+                      <a:r>
+                        <a:rPr lang="ko-KR" altLang="en-US" dirty="0"/>
+                        <a:t>개발 진행 월</a:t>
+                      </a:r>
+                    </a:p>
+                  </a:txBody>
+                  <a:tcPr anchor="ctr">
+                    <a:solidFill>
+                      <a:schemeClr val="bg2">
+                        <a:lumMod val="50000"/>
+                      </a:schemeClr>
+                    </a:solidFill>
+                  </a:tcPr>
+                </a:tc>
+                <a:tc>
+                  <a:txBody>
+                    <a:bodyPr/>
+                    <a:lstStyle/>
+                    <a:p>
+                      <a:pPr algn="ctr" latinLnBrk="1"/>
+                      <a:r>
+                        <a:rPr lang="ko-KR" altLang="en-US" dirty="0"/>
+                        <a:t>개발 항목</a:t>
+                      </a:r>
+                    </a:p>
+                  </a:txBody>
+                  <a:tcPr anchor="ctr">
+                    <a:solidFill>
+                      <a:schemeClr val="bg2">
+                        <a:lumMod val="50000"/>
+                      </a:schemeClr>
+                    </a:solidFill>
+                  </a:tcPr>
+                </a:tc>
+                <a:extLst>
+                  <a:ext uri="{0D108BD9-81ED-4DB2-BD59-A6C34878D82A}">
+                    <a16:rowId xmlns:a16="http://schemas.microsoft.com/office/drawing/2014/main" val="1126079636"/>
+                  </a:ext>
+                </a:extLst>
+              </a:tr>
+              <a:tr h="374642">
+                <a:tc>
+                  <a:txBody>
+                    <a:bodyPr/>
+                    <a:lstStyle/>
+                    <a:p>
+                      <a:pPr algn="ctr" latinLnBrk="1"/>
+                      <a:r>
+                        <a:rPr lang="en-US" altLang="ko-KR" dirty="0"/>
+                        <a:t>1</a:t>
+                      </a:r>
+                      <a:r>
+                        <a:rPr lang="ko-KR" altLang="en-US" dirty="0"/>
+                        <a:t>월</a:t>
+                      </a:r>
+                    </a:p>
+                  </a:txBody>
+                  <a:tcPr anchor="ctr">
+                    <a:solidFill>
+                      <a:schemeClr val="bg2">
+                        <a:lumMod val="90000"/>
+                      </a:schemeClr>
+                    </a:solidFill>
+                  </a:tcPr>
+                </a:tc>
+                <a:tc>
+                  <a:txBody>
+                    <a:bodyPr/>
+                    <a:lstStyle/>
+                    <a:p>
+                      <a:pPr algn="ctr" latinLnBrk="1"/>
+                      <a:r>
+                        <a:rPr lang="ko-KR" altLang="en-US" dirty="0"/>
+                        <a:t>게임 컨셉 기획</a:t>
+                      </a:r>
+                    </a:p>
+                  </a:txBody>
+                  <a:tcPr anchor="ctr">
+                    <a:solidFill>
+                      <a:schemeClr val="bg2">
+                        <a:lumMod val="90000"/>
+                      </a:schemeClr>
+                    </a:solidFill>
+                  </a:tcPr>
+                </a:tc>
+                <a:extLst>
+                  <a:ext uri="{0D108BD9-81ED-4DB2-BD59-A6C34878D82A}">
+                    <a16:rowId xmlns:a16="http://schemas.microsoft.com/office/drawing/2014/main" val="2648559697"/>
+                  </a:ext>
+                </a:extLst>
+              </a:tr>
+              <a:tr h="374642">
+                <a:tc>
+                  <a:txBody>
+                    <a:bodyPr/>
+                    <a:lstStyle/>
+                    <a:p>
+                      <a:pPr algn="ctr" latinLnBrk="1"/>
+                      <a:r>
+                        <a:rPr lang="en-US" altLang="ko-KR" dirty="0"/>
+                        <a:t>2</a:t>
+                      </a:r>
+                      <a:r>
+                        <a:rPr lang="ko-KR" altLang="en-US" dirty="0"/>
+                        <a:t>월</a:t>
+                      </a:r>
+                    </a:p>
+                  </a:txBody>
+                  <a:tcPr anchor="ctr">
+                    <a:solidFill>
+                      <a:schemeClr val="bg2">
+                        <a:lumMod val="90000"/>
+                      </a:schemeClr>
+                    </a:solidFill>
+                  </a:tcPr>
+                </a:tc>
+                <a:tc>
+                  <a:txBody>
+                    <a:bodyPr/>
+                    <a:lstStyle/>
+                    <a:p>
+                      <a:pPr algn="ctr" latinLnBrk="1"/>
+                      <a:r>
+                        <a:rPr lang="ko-KR" altLang="en-US" dirty="0"/>
+                        <a:t>게임 레벨 디자인 제작</a:t>
+                      </a:r>
+                    </a:p>
+                  </a:txBody>
+                  <a:tcPr anchor="ctr">
+                    <a:solidFill>
+                      <a:schemeClr val="bg2">
+                        <a:lumMod val="90000"/>
+                      </a:schemeClr>
+                    </a:solidFill>
+                  </a:tcPr>
+                </a:tc>
+                <a:extLst>
+                  <a:ext uri="{0D108BD9-81ED-4DB2-BD59-A6C34878D82A}">
+                    <a16:rowId xmlns:a16="http://schemas.microsoft.com/office/drawing/2014/main" val="2994053522"/>
+                  </a:ext>
+                </a:extLst>
+              </a:tr>
+              <a:tr h="374642">
+                <a:tc>
+                  <a:txBody>
+                    <a:bodyPr/>
+                    <a:lstStyle/>
+                    <a:p>
+                      <a:pPr algn="ctr" latinLnBrk="1"/>
+                      <a:r>
+                        <a:rPr lang="en-US" altLang="ko-KR" dirty="0"/>
+                        <a:t>3</a:t>
+                      </a:r>
+                      <a:r>
+                        <a:rPr lang="ko-KR" altLang="en-US" dirty="0"/>
+                        <a:t>월</a:t>
+                      </a:r>
+                    </a:p>
+                  </a:txBody>
+                  <a:tcPr anchor="ctr">
+                    <a:solidFill>
+                      <a:schemeClr val="bg2">
+                        <a:lumMod val="90000"/>
+                      </a:schemeClr>
+                    </a:solidFill>
+                  </a:tcPr>
+                </a:tc>
+                <a:tc>
+                  <a:txBody>
+                    <a:bodyPr/>
+                    <a:lstStyle/>
+                    <a:p>
+                      <a:pPr algn="ctr" latinLnBrk="1"/>
+                      <a:r>
+                        <a:rPr lang="ko-KR" altLang="en-US" dirty="0"/>
+                        <a:t>게임 서버 구현</a:t>
+                      </a:r>
+                    </a:p>
+                  </a:txBody>
+                  <a:tcPr anchor="ctr">
+                    <a:solidFill>
+                      <a:schemeClr val="bg2">
+                        <a:lumMod val="90000"/>
+                      </a:schemeClr>
+                    </a:solidFill>
+                  </a:tcPr>
+                </a:tc>
+                <a:extLst>
+                  <a:ext uri="{0D108BD9-81ED-4DB2-BD59-A6C34878D82A}">
+                    <a16:rowId xmlns:a16="http://schemas.microsoft.com/office/drawing/2014/main" val="4143990476"/>
+                  </a:ext>
+                </a:extLst>
+              </a:tr>
+              <a:tr h="374642">
+                <a:tc>
+                  <a:txBody>
+                    <a:bodyPr/>
+                    <a:lstStyle/>
+                    <a:p>
+                      <a:pPr algn="ctr" latinLnBrk="1"/>
+                      <a:r>
+                        <a:rPr lang="en-US" altLang="ko-KR" dirty="0"/>
+                        <a:t>4</a:t>
+                      </a:r>
+                      <a:r>
+                        <a:rPr lang="ko-KR" altLang="en-US" dirty="0"/>
+                        <a:t>월</a:t>
+                      </a:r>
+                    </a:p>
+                  </a:txBody>
+                  <a:tcPr anchor="ctr">
+                    <a:solidFill>
+                      <a:schemeClr val="bg2">
+                        <a:lumMod val="90000"/>
+                      </a:schemeClr>
+                    </a:solidFill>
+                  </a:tcPr>
+                </a:tc>
+                <a:tc>
+                  <a:txBody>
+                    <a:bodyPr/>
+                    <a:lstStyle/>
+                    <a:p>
+                      <a:pPr algn="ctr" latinLnBrk="1"/>
+                      <a:r>
+                        <a:rPr lang="ko-KR" altLang="en-US" dirty="0"/>
+                        <a:t>게임 내부 구조 구현</a:t>
+                      </a:r>
+                    </a:p>
+                  </a:txBody>
+                  <a:tcPr anchor="ctr">
+                    <a:solidFill>
+                      <a:schemeClr val="bg2">
+                        <a:lumMod val="90000"/>
+                      </a:schemeClr>
+                    </a:solidFill>
+                  </a:tcPr>
+                </a:tc>
+                <a:extLst>
+                  <a:ext uri="{0D108BD9-81ED-4DB2-BD59-A6C34878D82A}">
+                    <a16:rowId xmlns:a16="http://schemas.microsoft.com/office/drawing/2014/main" val="3785625020"/>
+                  </a:ext>
+                </a:extLst>
+              </a:tr>
+            </a:tbl>
+          </a:graphicData>
+        </a:graphic>
+      </p:graphicFrame>
     </p:spTree>
     <p:extLst>
       <p:ext uri="{BB962C8B-B14F-4D97-AF65-F5344CB8AC3E}">
@@ -11534,10 +11764,10 @@
       </p:sp>
       <p:sp>
         <p:nvSpPr>
-          <p:cNvPr id="7" name="내용 개체 틀 2">
-            <a:extLst>
-              <a:ext uri="{FF2B5EF4-FFF2-40B4-BE49-F238E27FC236}">
-                <a16:creationId xmlns:a16="http://schemas.microsoft.com/office/drawing/2014/main" id="{709336BD-728F-68C8-58B8-3B120A032AE1}"/>
+          <p:cNvPr id="3" name="내용 개체 틀 2">
+            <a:extLst>
+              <a:ext uri="{FF2B5EF4-FFF2-40B4-BE49-F238E27FC236}">
+                <a16:creationId xmlns:a16="http://schemas.microsoft.com/office/drawing/2014/main" id="{E7DF4D84-99B2-6F6A-DF19-E3B433310D5E}"/>
               </a:ext>
             </a:extLst>
           </p:cNvPr>
@@ -11548,8 +11778,8 @@
         </p:nvSpPr>
         <p:spPr>
           <a:xfrm>
-            <a:off x="838200" y="1825623"/>
-            <a:ext cx="5700385" cy="1603375"/>
+            <a:off x="838201" y="1825622"/>
+            <a:ext cx="5600178" cy="1437407"/>
           </a:xfrm>
           <a:prstGeom prst="rect">
             <a:avLst/>
@@ -11730,281 +11960,29 @@
             </a:pPr>
             <a:r>
               <a:rPr lang="ko-KR" altLang="en-US" sz="1800" b="1" dirty="0"/>
-              <a:t>죄수</a:t>
+              <a:t>죄수인 당신과 </a:t>
             </a:r>
             <a:r>
               <a:rPr lang="ko-KR" altLang="en-US" sz="1800" b="1" i="0" dirty="0">
                 <a:effectLst/>
               </a:rPr>
-              <a:t>였던 나는 미친 과학자에게 납치되어 폐연구실에 갇히게 되었다</a:t>
+              <a:t>다른 죄수들은 미친 과학자에게 납치되어 폐연구실에 갇히게 되었습니다</a:t>
+            </a:r>
+            <a:r>
+              <a:rPr lang="en-US" altLang="ko-KR" sz="1800" b="1" dirty="0"/>
+              <a:t>.</a:t>
             </a:r>
             <a:r>
               <a:rPr lang="en-US" altLang="ko-KR" sz="1800" b="1" i="0" dirty="0">
                 <a:effectLst/>
               </a:rPr>
-              <a:t>. </a:t>
-            </a:r>
-            <a:r>
-              <a:rPr lang="ko-KR" altLang="en-US" sz="1800" b="0" i="0" dirty="0">
-                <a:effectLst/>
-              </a:rPr>
-              <a:t>그곳에는 다른 수감자들도 있었고</a:t>
-            </a:r>
-            <a:r>
-              <a:rPr lang="en-US" altLang="ko-KR" sz="1800" b="0" i="0" dirty="0">
-                <a:effectLst/>
-              </a:rPr>
-              <a:t>, </a:t>
-            </a:r>
-            <a:r>
-              <a:rPr lang="ko-KR" altLang="en-US" sz="1800" b="0" i="0" dirty="0">
-                <a:effectLst/>
-              </a:rPr>
-              <a:t>미친 과학자에 의해 실험이 시작되었다</a:t>
-            </a:r>
-            <a:r>
-              <a:rPr lang="en-US" altLang="ko-KR" sz="1800" b="0" i="0" dirty="0">
-                <a:effectLst/>
-              </a:rPr>
-              <a:t>. </a:t>
-            </a:r>
-            <a:r>
-              <a:rPr lang="ko-KR" altLang="en-US" sz="1800" i="0" dirty="0">
-                <a:effectLst/>
-              </a:rPr>
-              <a:t>실험 중 가장 먼저 실험실을 탈출하는 죄수에게는 자유가 보장된다고 하였고</a:t>
-            </a:r>
-            <a:r>
-              <a:rPr lang="en-US" altLang="ko-KR" sz="1800" i="0" dirty="0">
-                <a:effectLst/>
-              </a:rPr>
-              <a:t>, </a:t>
-            </a:r>
-            <a:r>
-              <a:rPr lang="ko-KR" altLang="en-US" sz="1800" b="1" dirty="0"/>
-              <a:t>나</a:t>
+              <a:t> </a:t>
             </a:r>
             <a:r>
               <a:rPr lang="ko-KR" altLang="en-US" sz="1800" b="1" i="0" dirty="0">
                 <a:effectLst/>
               </a:rPr>
-              <a:t>는 다른 죄수들보다 먼저 실험실을 탈출하여 자유를 얻어야 한다</a:t>
-            </a:r>
-            <a:r>
-              <a:rPr lang="en-US" altLang="ko-KR" sz="1800" b="1" i="0" dirty="0">
-                <a:effectLst/>
-              </a:rPr>
-              <a:t>.</a:t>
-            </a:r>
-            <a:endParaRPr lang="ko-KR" altLang="en-US" sz="1800" b="1" dirty="0"/>
-          </a:p>
-        </p:txBody>
-      </p:sp>
-      <p:sp>
-        <p:nvSpPr>
-          <p:cNvPr id="3" name="내용 개체 틀 2">
-            <a:extLst>
-              <a:ext uri="{FF2B5EF4-FFF2-40B4-BE49-F238E27FC236}">
-                <a16:creationId xmlns:a16="http://schemas.microsoft.com/office/drawing/2014/main" id="{E7DF4D84-99B2-6F6A-DF19-E3B433310D5E}"/>
-              </a:ext>
-            </a:extLst>
-          </p:cNvPr>
-          <p:cNvSpPr txBox="1">
-            <a:spLocks/>
-          </p:cNvSpPr>
-          <p:nvPr/>
-        </p:nvSpPr>
-        <p:spPr>
-          <a:xfrm>
-            <a:off x="838200" y="3578220"/>
-            <a:ext cx="5700385" cy="881044"/>
-          </a:xfrm>
-          <a:prstGeom prst="rect">
-            <a:avLst/>
-          </a:prstGeom>
-        </p:spPr>
-        <p:txBody>
-          <a:bodyPr vert="horz" lIns="91440" tIns="45720" rIns="91440" bIns="45720" rtlCol="0">
-            <a:normAutofit/>
-          </a:bodyPr>
-          <a:lstStyle>
-            <a:lvl1pPr marL="228600" indent="-228600" algn="l" defTabSz="914400" rtl="0" eaLnBrk="1" latinLnBrk="1" hangingPunct="1">
-              <a:lnSpc>
-                <a:spcPct val="90000"/>
-              </a:lnSpc>
-              <a:spcBef>
-                <a:spcPts val="1000"/>
-              </a:spcBef>
-              <a:buFont typeface="Arial" panose="020B0604020202020204" pitchFamily="34" charset="0"/>
-              <a:buChar char="•"/>
-              <a:defRPr sz="2800" kern="1200">
-                <a:solidFill>
-                  <a:schemeClr val="tx1"/>
-                </a:solidFill>
-                <a:latin typeface="+mn-lt"/>
-                <a:ea typeface="+mn-ea"/>
-                <a:cs typeface="+mn-cs"/>
-              </a:defRPr>
-            </a:lvl1pPr>
-            <a:lvl2pPr marL="685800" indent="-228600" algn="l" defTabSz="914400" rtl="0" eaLnBrk="1" latinLnBrk="1" hangingPunct="1">
-              <a:lnSpc>
-                <a:spcPct val="90000"/>
-              </a:lnSpc>
-              <a:spcBef>
-                <a:spcPts val="500"/>
-              </a:spcBef>
-              <a:buFont typeface="Arial" panose="020B0604020202020204" pitchFamily="34" charset="0"/>
-              <a:buChar char="•"/>
-              <a:defRPr sz="2400" kern="1200">
-                <a:solidFill>
-                  <a:schemeClr val="tx1"/>
-                </a:solidFill>
-                <a:latin typeface="+mn-lt"/>
-                <a:ea typeface="+mn-ea"/>
-                <a:cs typeface="+mn-cs"/>
-              </a:defRPr>
-            </a:lvl2pPr>
-            <a:lvl3pPr marL="1143000" indent="-228600" algn="l" defTabSz="914400" rtl="0" eaLnBrk="1" latinLnBrk="1" hangingPunct="1">
-              <a:lnSpc>
-                <a:spcPct val="90000"/>
-              </a:lnSpc>
-              <a:spcBef>
-                <a:spcPts val="500"/>
-              </a:spcBef>
-              <a:buFont typeface="Arial" panose="020B0604020202020204" pitchFamily="34" charset="0"/>
-              <a:buChar char="•"/>
-              <a:defRPr sz="2000" kern="1200">
-                <a:solidFill>
-                  <a:schemeClr val="tx1"/>
-                </a:solidFill>
-                <a:latin typeface="+mn-lt"/>
-                <a:ea typeface="+mn-ea"/>
-                <a:cs typeface="+mn-cs"/>
-              </a:defRPr>
-            </a:lvl3pPr>
-            <a:lvl4pPr marL="1600200" indent="-228600" algn="l" defTabSz="914400" rtl="0" eaLnBrk="1" latinLnBrk="1" hangingPunct="1">
-              <a:lnSpc>
-                <a:spcPct val="90000"/>
-              </a:lnSpc>
-              <a:spcBef>
-                <a:spcPts val="500"/>
-              </a:spcBef>
-              <a:buFont typeface="Arial" panose="020B0604020202020204" pitchFamily="34" charset="0"/>
-              <a:buChar char="•"/>
-              <a:defRPr sz="1800" kern="1200">
-                <a:solidFill>
-                  <a:schemeClr val="tx1"/>
-                </a:solidFill>
-                <a:latin typeface="+mn-lt"/>
-                <a:ea typeface="+mn-ea"/>
-                <a:cs typeface="+mn-cs"/>
-              </a:defRPr>
-            </a:lvl4pPr>
-            <a:lvl5pPr marL="2057400" indent="-228600" algn="l" defTabSz="914400" rtl="0" eaLnBrk="1" latinLnBrk="1" hangingPunct="1">
-              <a:lnSpc>
-                <a:spcPct val="90000"/>
-              </a:lnSpc>
-              <a:spcBef>
-                <a:spcPts val="500"/>
-              </a:spcBef>
-              <a:buFont typeface="Arial" panose="020B0604020202020204" pitchFamily="34" charset="0"/>
-              <a:buChar char="•"/>
-              <a:defRPr sz="1800" kern="1200">
-                <a:solidFill>
-                  <a:schemeClr val="tx1"/>
-                </a:solidFill>
-                <a:latin typeface="+mn-lt"/>
-                <a:ea typeface="+mn-ea"/>
-                <a:cs typeface="+mn-cs"/>
-              </a:defRPr>
-            </a:lvl5pPr>
-            <a:lvl6pPr marL="2514600" indent="-228600" algn="l" defTabSz="914400" rtl="0" eaLnBrk="1" latinLnBrk="1" hangingPunct="1">
-              <a:lnSpc>
-                <a:spcPct val="90000"/>
-              </a:lnSpc>
-              <a:spcBef>
-                <a:spcPts val="500"/>
-              </a:spcBef>
-              <a:buFont typeface="Arial" panose="020B0604020202020204" pitchFamily="34" charset="0"/>
-              <a:buChar char="•"/>
-              <a:defRPr sz="1800" kern="1200">
-                <a:solidFill>
-                  <a:schemeClr val="tx1"/>
-                </a:solidFill>
-                <a:latin typeface="+mn-lt"/>
-                <a:ea typeface="+mn-ea"/>
-                <a:cs typeface="+mn-cs"/>
-              </a:defRPr>
-            </a:lvl6pPr>
-            <a:lvl7pPr marL="2971800" indent="-228600" algn="l" defTabSz="914400" rtl="0" eaLnBrk="1" latinLnBrk="1" hangingPunct="1">
-              <a:lnSpc>
-                <a:spcPct val="90000"/>
-              </a:lnSpc>
-              <a:spcBef>
-                <a:spcPts val="500"/>
-              </a:spcBef>
-              <a:buFont typeface="Arial" panose="020B0604020202020204" pitchFamily="34" charset="0"/>
-              <a:buChar char="•"/>
-              <a:defRPr sz="1800" kern="1200">
-                <a:solidFill>
-                  <a:schemeClr val="tx1"/>
-                </a:solidFill>
-                <a:latin typeface="+mn-lt"/>
-                <a:ea typeface="+mn-ea"/>
-                <a:cs typeface="+mn-cs"/>
-              </a:defRPr>
-            </a:lvl7pPr>
-            <a:lvl8pPr marL="3429000" indent="-228600" algn="l" defTabSz="914400" rtl="0" eaLnBrk="1" latinLnBrk="1" hangingPunct="1">
-              <a:lnSpc>
-                <a:spcPct val="90000"/>
-              </a:lnSpc>
-              <a:spcBef>
-                <a:spcPts val="500"/>
-              </a:spcBef>
-              <a:buFont typeface="Arial" panose="020B0604020202020204" pitchFamily="34" charset="0"/>
-              <a:buChar char="•"/>
-              <a:defRPr sz="1800" kern="1200">
-                <a:solidFill>
-                  <a:schemeClr val="tx1"/>
-                </a:solidFill>
-                <a:latin typeface="+mn-lt"/>
-                <a:ea typeface="+mn-ea"/>
-                <a:cs typeface="+mn-cs"/>
-              </a:defRPr>
-            </a:lvl8pPr>
-            <a:lvl9pPr marL="3886200" indent="-228600" algn="l" defTabSz="914400" rtl="0" eaLnBrk="1" latinLnBrk="1" hangingPunct="1">
-              <a:lnSpc>
-                <a:spcPct val="90000"/>
-              </a:lnSpc>
-              <a:spcBef>
-                <a:spcPts val="500"/>
-              </a:spcBef>
-              <a:buFont typeface="Arial" panose="020B0604020202020204" pitchFamily="34" charset="0"/>
-              <a:buChar char="•"/>
-              <a:defRPr sz="1800" kern="1200">
-                <a:solidFill>
-                  <a:schemeClr val="tx1"/>
-                </a:solidFill>
-                <a:latin typeface="+mn-lt"/>
-                <a:ea typeface="+mn-ea"/>
-                <a:cs typeface="+mn-cs"/>
-              </a:defRPr>
-            </a:lvl9pPr>
-          </a:lstStyle>
-          <a:p>
-            <a:pPr marL="0" indent="0">
-              <a:buFont typeface="Arial" panose="020B0604020202020204" pitchFamily="34" charset="0"/>
-              <a:buNone/>
-            </a:pPr>
-            <a:r>
-              <a:rPr lang="ko-KR" altLang="en-US" sz="1800" b="1" dirty="0"/>
-              <a:t>죄수</a:t>
-            </a:r>
-            <a:r>
-              <a:rPr lang="ko-KR" altLang="en-US" sz="1800" b="1" i="0" dirty="0">
-                <a:effectLst/>
-              </a:rPr>
-              <a:t>였던 나와 다른 죄수들은 미친 과학자에게 납치되어 폐연구실에 갇히게 되었고</a:t>
+              <a:t>다른 죄수들과 경쟁하는 실험을 시작하게 되는데</a:t>
             </a:r>
             <a:r>
               <a:rPr lang="en-US" altLang="ko-KR" sz="1800" b="1" i="0" dirty="0">
@@ -12013,20 +11991,16 @@
               <a:t>, </a:t>
             </a:r>
             <a:r>
-              <a:rPr lang="ko-KR" altLang="en-US" sz="1800" b="1" dirty="0"/>
-              <a:t>나</a:t>
-            </a:r>
-            <a:r>
               <a:rPr lang="ko-KR" altLang="en-US" sz="1800" b="1" i="0" dirty="0">
                 <a:effectLst/>
               </a:rPr>
-              <a:t>는 다른 죄수들보다 먼저 실험실을 탈출하여 자유를 얻어야 한다</a:t>
+              <a:t>당신은 다른 죄수들보다 먼저 실험실을 탈출하여 자유를 얻을 수 있을까요</a:t>
             </a:r>
             <a:r>
               <a:rPr lang="en-US" altLang="ko-KR" sz="1800" b="1" i="0" dirty="0">
                 <a:effectLst/>
               </a:rPr>
-              <a:t>.</a:t>
+              <a:t>?</a:t>
             </a:r>
             <a:endParaRPr lang="ko-KR" altLang="en-US" sz="1800" b="1" dirty="0"/>
           </a:p>
